--- a/slides/IntentionalFert_v3.pptx
+++ b/slides/IntentionalFert_v3.pptx
@@ -5,7 +5,7 @@
     <p:sldMasterId id="2147483648" r:id="rId1"/>
   </p:sldMasterIdLst>
   <p:notesMasterIdLst>
-    <p:notesMasterId r:id="rId51"/>
+    <p:notesMasterId r:id="rId52"/>
   </p:notesMasterIdLst>
   <p:sldIdLst>
     <p:sldId id="256" r:id="rId2"/>
@@ -36,27 +36,28 @@
     <p:sldId id="303" r:id="rId27"/>
     <p:sldId id="304" r:id="rId28"/>
     <p:sldId id="305" r:id="rId29"/>
-    <p:sldId id="285" r:id="rId30"/>
-    <p:sldId id="268" r:id="rId31"/>
-    <p:sldId id="306" r:id="rId32"/>
-    <p:sldId id="266" r:id="rId33"/>
-    <p:sldId id="267" r:id="rId34"/>
-    <p:sldId id="269" r:id="rId35"/>
-    <p:sldId id="270" r:id="rId36"/>
-    <p:sldId id="271" r:id="rId37"/>
-    <p:sldId id="272" r:id="rId38"/>
-    <p:sldId id="273" r:id="rId39"/>
-    <p:sldId id="274" r:id="rId40"/>
-    <p:sldId id="275" r:id="rId41"/>
-    <p:sldId id="276" r:id="rId42"/>
-    <p:sldId id="309" r:id="rId43"/>
-    <p:sldId id="312" r:id="rId44"/>
-    <p:sldId id="308" r:id="rId45"/>
-    <p:sldId id="310" r:id="rId46"/>
-    <p:sldId id="311" r:id="rId47"/>
-    <p:sldId id="314" r:id="rId48"/>
-    <p:sldId id="316" r:id="rId49"/>
-    <p:sldId id="315" r:id="rId50"/>
+    <p:sldId id="318" r:id="rId30"/>
+    <p:sldId id="285" r:id="rId31"/>
+    <p:sldId id="268" r:id="rId32"/>
+    <p:sldId id="306" r:id="rId33"/>
+    <p:sldId id="266" r:id="rId34"/>
+    <p:sldId id="267" r:id="rId35"/>
+    <p:sldId id="269" r:id="rId36"/>
+    <p:sldId id="270" r:id="rId37"/>
+    <p:sldId id="271" r:id="rId38"/>
+    <p:sldId id="272" r:id="rId39"/>
+    <p:sldId id="273" r:id="rId40"/>
+    <p:sldId id="274" r:id="rId41"/>
+    <p:sldId id="275" r:id="rId42"/>
+    <p:sldId id="276" r:id="rId43"/>
+    <p:sldId id="309" r:id="rId44"/>
+    <p:sldId id="312" r:id="rId45"/>
+    <p:sldId id="308" r:id="rId46"/>
+    <p:sldId id="310" r:id="rId47"/>
+    <p:sldId id="311" r:id="rId48"/>
+    <p:sldId id="314" r:id="rId49"/>
+    <p:sldId id="316" r:id="rId50"/>
+    <p:sldId id="315" r:id="rId51"/>
   </p:sldIdLst>
   <p:sldSz cx="12192000" cy="6858000"/>
   <p:notesSz cx="6858000" cy="9144000"/>
@@ -155,6 +156,11 @@
       </a:defRPr>
     </a:lvl9pPr>
   </p:defaultTextStyle>
+  <p:extLst>
+    <p:ext uri="{EFAFB233-063F-42B5-8137-9DF3F51BA10A}">
+      <p15:sldGuideLst xmlns:p15="http://schemas.microsoft.com/office/powerpoint/2012/main"/>
+    </p:ext>
+  </p:extLst>
 </p:presentation>
 </file>
 
@@ -240,7 +246,7 @@
           <a:p>
             <a:fld id="{2CFA0702-312B-4F33-898E-D9EA5DD5AC8A}" type="datetimeFigureOut">
               <a:rPr lang="en-US" smtClean="0"/>
-              <a:t>6/4/2023</a:t>
+              <a:t>6/7/2023</a:t>
             </a:fld>
             <a:endParaRPr lang="en-US"/>
           </a:p>
@@ -654,7 +660,7 @@
           <a:p>
             <a:fld id="{EB4673C4-EFEB-475A-92C9-863FA5F2A6A3}" type="datetime1">
               <a:rPr lang="en-US" smtClean="0"/>
-              <a:t>6/4/2023</a:t>
+              <a:t>6/7/2023</a:t>
             </a:fld>
             <a:endParaRPr lang="en-US"/>
           </a:p>
@@ -855,7 +861,7 @@
           <a:p>
             <a:fld id="{ABFF41A5-22C0-4006-B422-A77A47119120}" type="datetime1">
               <a:rPr lang="en-US" smtClean="0"/>
-              <a:t>6/4/2023</a:t>
+              <a:t>6/7/2023</a:t>
             </a:fld>
             <a:endParaRPr lang="en-US"/>
           </a:p>
@@ -1066,7 +1072,7 @@
           <a:p>
             <a:fld id="{DE690097-BA66-4AFA-B610-F33AE8761FD9}" type="datetime1">
               <a:rPr lang="en-US" smtClean="0"/>
-              <a:t>6/4/2023</a:t>
+              <a:t>6/7/2023</a:t>
             </a:fld>
             <a:endParaRPr lang="en-US"/>
           </a:p>
@@ -1267,7 +1273,7 @@
           <a:p>
             <a:fld id="{BB4BDE24-819D-4F61-B1FF-AD758B2582DE}" type="datetime1">
               <a:rPr lang="en-US" smtClean="0"/>
-              <a:t>6/4/2023</a:t>
+              <a:t>6/7/2023</a:t>
             </a:fld>
             <a:endParaRPr lang="en-US"/>
           </a:p>
@@ -1545,7 +1551,7 @@
           <a:p>
             <a:fld id="{AE6C5157-2004-4A00-9E74-704F44D73AC2}" type="datetime1">
               <a:rPr lang="en-US" smtClean="0"/>
-              <a:t>6/4/2023</a:t>
+              <a:t>6/7/2023</a:t>
             </a:fld>
             <a:endParaRPr lang="en-US"/>
           </a:p>
@@ -1813,7 +1819,7 @@
           <a:p>
             <a:fld id="{0B9A687A-3DCE-409D-BC5D-F1A8D978D6EB}" type="datetime1">
               <a:rPr lang="en-US" smtClean="0"/>
-              <a:t>6/4/2023</a:t>
+              <a:t>6/7/2023</a:t>
             </a:fld>
             <a:endParaRPr lang="en-US"/>
           </a:p>
@@ -2228,7 +2234,7 @@
           <a:p>
             <a:fld id="{69CBDDAF-F535-4893-8862-4AE1248BF3B6}" type="datetime1">
               <a:rPr lang="en-US" smtClean="0"/>
-              <a:t>6/4/2023</a:t>
+              <a:t>6/7/2023</a:t>
             </a:fld>
             <a:endParaRPr lang="en-US"/>
           </a:p>
@@ -2372,7 +2378,7 @@
           <a:p>
             <a:fld id="{E87FDD60-1ED4-42F5-A6DA-80E7FF9EFB2A}" type="datetime1">
               <a:rPr lang="en-US" smtClean="0"/>
-              <a:t>6/4/2023</a:t>
+              <a:t>6/7/2023</a:t>
             </a:fld>
             <a:endParaRPr lang="en-US"/>
           </a:p>
@@ -2488,7 +2494,7 @@
           <a:p>
             <a:fld id="{7C580E81-7541-4D75-AA20-AC6C7FBB3D34}" type="datetime1">
               <a:rPr lang="en-US" smtClean="0"/>
-              <a:t>6/4/2023</a:t>
+              <a:t>6/7/2023</a:t>
             </a:fld>
             <a:endParaRPr lang="en-US"/>
           </a:p>
@@ -2802,7 +2808,7 @@
           <a:p>
             <a:fld id="{5276882D-65E1-44A7-81E6-FB2722EC035E}" type="datetime1">
               <a:rPr lang="en-US" smtClean="0"/>
-              <a:t>6/4/2023</a:t>
+              <a:t>6/7/2023</a:t>
             </a:fld>
             <a:endParaRPr lang="en-US"/>
           </a:p>
@@ -3093,7 +3099,7 @@
           <a:p>
             <a:fld id="{707E56C6-67BE-49DF-BBD4-7E38AC4CD6AE}" type="datetime1">
               <a:rPr lang="en-US" smtClean="0"/>
-              <a:t>6/4/2023</a:t>
+              <a:t>6/7/2023</a:t>
             </a:fld>
             <a:endParaRPr lang="en-US"/>
           </a:p>
@@ -3337,7 +3343,7 @@
           <a:p>
             <a:fld id="{62827C5E-BDE5-4F80-AF7C-0DF3E71DF625}" type="datetime1">
               <a:rPr lang="en-US" smtClean="0"/>
-              <a:t>6/4/2023</a:t>
+              <a:t>6/7/2023</a:t>
             </a:fld>
             <a:endParaRPr lang="en-US"/>
           </a:p>
@@ -10809,10 +10815,10 @@
       </p:grpSpPr>
       <p:sp>
         <p:nvSpPr>
-          <p:cNvPr id="2" name="Title 1">
-            <a:extLst>
-              <a:ext uri="{FF2B5EF4-FFF2-40B4-BE49-F238E27FC236}">
-                <a16:creationId xmlns:a16="http://schemas.microsoft.com/office/drawing/2014/main" id="{B58D5B46-0915-CC07-B77D-E36CFF4EDF32}"/>
+          <p:cNvPr id="6" name="Title 5">
+            <a:extLst>
+              <a:ext uri="{FF2B5EF4-FFF2-40B4-BE49-F238E27FC236}">
+                <a16:creationId xmlns:a16="http://schemas.microsoft.com/office/drawing/2014/main" id="{7EB50A92-649C-9550-A783-46692E68A063}"/>
               </a:ext>
             </a:extLst>
           </p:cNvPr>
@@ -10828,19 +10834,16 @@
           <a:bodyPr/>
           <a:lstStyle/>
           <a:p>
-            <a:r>
-              <a:rPr lang="en-US" dirty="0"/>
-              <a:t>Made-up data for f(y)</a:t>
-            </a:r>
-          </a:p>
-        </p:txBody>
-      </p:sp>
-      <p:sp>
-        <p:nvSpPr>
-          <p:cNvPr id="4" name="Text Placeholder 3">
-            <a:extLst>
-              <a:ext uri="{FF2B5EF4-FFF2-40B4-BE49-F238E27FC236}">
-                <a16:creationId xmlns:a16="http://schemas.microsoft.com/office/drawing/2014/main" id="{F7A032AE-C3C7-0CDE-2920-90F874DECB58}"/>
+            <a:endParaRPr lang="en-US"/>
+          </a:p>
+        </p:txBody>
+      </p:sp>
+      <p:sp>
+        <p:nvSpPr>
+          <p:cNvPr id="8" name="Text Placeholder 7">
+            <a:extLst>
+              <a:ext uri="{FF2B5EF4-FFF2-40B4-BE49-F238E27FC236}">
+                <a16:creationId xmlns:a16="http://schemas.microsoft.com/office/drawing/2014/main" id="{BA1BC780-D13D-8AA8-6AF3-62CF3C143928}"/>
               </a:ext>
             </a:extLst>
           </p:cNvPr>
@@ -10856,16 +10859,16 @@
           <a:bodyPr/>
           <a:lstStyle/>
           <a:p>
-            <a:endParaRPr lang="en-US" dirty="0"/>
-          </a:p>
-        </p:txBody>
-      </p:sp>
-      <p:sp>
-        <p:nvSpPr>
-          <p:cNvPr id="5" name="Footer Placeholder 4">
-            <a:extLst>
-              <a:ext uri="{FF2B5EF4-FFF2-40B4-BE49-F238E27FC236}">
-                <a16:creationId xmlns:a16="http://schemas.microsoft.com/office/drawing/2014/main" id="{E9129665-2891-BF41-1BA2-02E5220A8968}"/>
+            <a:endParaRPr lang="en-US"/>
+          </a:p>
+        </p:txBody>
+      </p:sp>
+      <p:sp>
+        <p:nvSpPr>
+          <p:cNvPr id="4" name="Footer Placeholder 3">
+            <a:extLst>
+              <a:ext uri="{FF2B5EF4-FFF2-40B4-BE49-F238E27FC236}">
+                <a16:creationId xmlns:a16="http://schemas.microsoft.com/office/drawing/2014/main" id="{341D4735-C381-FFDF-113D-E982647B6D09}"/>
               </a:ext>
             </a:extLst>
           </p:cNvPr>
@@ -10890,10 +10893,10 @@
       </p:sp>
       <p:sp>
         <p:nvSpPr>
-          <p:cNvPr id="6" name="Slide Number Placeholder 5">
-            <a:extLst>
-              <a:ext uri="{FF2B5EF4-FFF2-40B4-BE49-F238E27FC236}">
-                <a16:creationId xmlns:a16="http://schemas.microsoft.com/office/drawing/2014/main" id="{4030E384-AEB3-3ED7-1424-D0BC48B77E5E}"/>
+          <p:cNvPr id="5" name="Slide Number Placeholder 4">
+            <a:extLst>
+              <a:ext uri="{FF2B5EF4-FFF2-40B4-BE49-F238E27FC236}">
+                <a16:creationId xmlns:a16="http://schemas.microsoft.com/office/drawing/2014/main" id="{8A3C6528-F785-46F0-32F2-20F979D0B9C0}"/>
               </a:ext>
             </a:extLst>
           </p:cNvPr>
@@ -10912,6 +10915,412 @@
             <a:fld id="{6B6E5051-45FE-481E-BC74-724D8AFE1529}" type="slidenum">
               <a:rPr lang="en-US" smtClean="0"/>
               <a:t>29</a:t>
+            </a:fld>
+            <a:endParaRPr lang="en-US"/>
+          </a:p>
+        </p:txBody>
+      </p:sp>
+      <p:pic>
+        <p:nvPicPr>
+          <p:cNvPr id="12" name="Picture 11">
+            <a:extLst>
+              <a:ext uri="{FF2B5EF4-FFF2-40B4-BE49-F238E27FC236}">
+                <a16:creationId xmlns:a16="http://schemas.microsoft.com/office/drawing/2014/main" id="{5410C8C1-25C0-2C2B-9202-0900C236B5D7}"/>
+              </a:ext>
+            </a:extLst>
+          </p:cNvPr>
+          <p:cNvPicPr>
+            <a:picLocks noChangeAspect="1"/>
+          </p:cNvPicPr>
+          <p:nvPr/>
+        </p:nvPicPr>
+        <p:blipFill>
+          <a:blip r:embed="rId2"/>
+          <a:stretch>
+            <a:fillRect/>
+          </a:stretch>
+        </p:blipFill>
+        <p:spPr>
+          <a:xfrm>
+            <a:off x="5011423" y="716972"/>
+            <a:ext cx="6786975" cy="4393807"/>
+          </a:xfrm>
+          <a:prstGeom prst="rect">
+            <a:avLst/>
+          </a:prstGeom>
+        </p:spPr>
+      </p:pic>
+      <p:sp>
+        <p:nvSpPr>
+          <p:cNvPr id="13" name="Oval 12">
+            <a:extLst>
+              <a:ext uri="{FF2B5EF4-FFF2-40B4-BE49-F238E27FC236}">
+                <a16:creationId xmlns:a16="http://schemas.microsoft.com/office/drawing/2014/main" id="{DD63583D-DE12-A6AA-5A02-0E6E99406B4B}"/>
+              </a:ext>
+            </a:extLst>
+          </p:cNvPr>
+          <p:cNvSpPr/>
+          <p:nvPr/>
+        </p:nvSpPr>
+        <p:spPr>
+          <a:xfrm>
+            <a:off x="4676775" y="2197008"/>
+            <a:ext cx="6941355" cy="966354"/>
+          </a:xfrm>
+          <a:prstGeom prst="ellipse">
+            <a:avLst/>
+          </a:prstGeom>
+          <a:noFill/>
+          <a:ln w="38100">
+            <a:solidFill>
+              <a:srgbClr val="FF0000"/>
+            </a:solidFill>
+          </a:ln>
+        </p:spPr>
+        <p:style>
+          <a:lnRef idx="2">
+            <a:schemeClr val="accent1">
+              <a:shade val="50000"/>
+            </a:schemeClr>
+          </a:lnRef>
+          <a:fillRef idx="1">
+            <a:schemeClr val="accent1"/>
+          </a:fillRef>
+          <a:effectRef idx="0">
+            <a:schemeClr val="accent1"/>
+          </a:effectRef>
+          <a:fontRef idx="minor">
+            <a:schemeClr val="lt1"/>
+          </a:fontRef>
+        </p:style>
+        <p:txBody>
+          <a:bodyPr rtlCol="0" anchor="ctr"/>
+          <a:lstStyle/>
+          <a:p>
+            <a:pPr algn="ctr"/>
+            <a:endParaRPr lang="en-US"/>
+          </a:p>
+        </p:txBody>
+      </p:sp>
+    </p:spTree>
+    <p:extLst>
+      <p:ext uri="{BB962C8B-B14F-4D97-AF65-F5344CB8AC3E}">
+        <p14:creationId xmlns:p14="http://schemas.microsoft.com/office/powerpoint/2010/main" val="1963710547"/>
+      </p:ext>
+    </p:extLst>
+  </p:cSld>
+  <p:clrMapOvr>
+    <a:masterClrMapping/>
+  </p:clrMapOvr>
+</p:sld>
+</file>
+
+<file path=ppt/slides/slide3.xml><?xml version="1.0" encoding="utf-8"?>
+<p:sld xmlns:a="http://schemas.openxmlformats.org/drawingml/2006/main" xmlns:r="http://schemas.openxmlformats.org/officeDocument/2006/relationships" xmlns:p="http://schemas.openxmlformats.org/presentationml/2006/main">
+  <p:cSld>
+    <p:spTree>
+      <p:nvGrpSpPr>
+        <p:cNvPr id="1" name=""/>
+        <p:cNvGrpSpPr/>
+        <p:nvPr/>
+      </p:nvGrpSpPr>
+      <p:grpSpPr>
+        <a:xfrm>
+          <a:off x="0" y="0"/>
+          <a:ext cx="0" cy="0"/>
+          <a:chOff x="0" y="0"/>
+          <a:chExt cx="0" cy="0"/>
+        </a:xfrm>
+      </p:grpSpPr>
+      <p:sp>
+        <p:nvSpPr>
+          <p:cNvPr id="2" name="Title 1">
+            <a:extLst>
+              <a:ext uri="{FF2B5EF4-FFF2-40B4-BE49-F238E27FC236}">
+                <a16:creationId xmlns:a16="http://schemas.microsoft.com/office/drawing/2014/main" id="{1C1F7F56-6F3B-799F-9007-BE081CA0E6A3}"/>
+              </a:ext>
+            </a:extLst>
+          </p:cNvPr>
+          <p:cNvSpPr>
+            <a:spLocks noGrp="1"/>
+          </p:cNvSpPr>
+          <p:nvPr>
+            <p:ph type="title"/>
+          </p:nvPr>
+        </p:nvSpPr>
+        <p:spPr/>
+        <p:txBody>
+          <a:bodyPr/>
+          <a:lstStyle/>
+          <a:p>
+            <a:r>
+              <a:rPr lang="en-US" dirty="0"/>
+              <a:t>Questions</a:t>
+            </a:r>
+          </a:p>
+        </p:txBody>
+      </p:sp>
+      <p:sp>
+        <p:nvSpPr>
+          <p:cNvPr id="3" name="Content Placeholder 2">
+            <a:extLst>
+              <a:ext uri="{FF2B5EF4-FFF2-40B4-BE49-F238E27FC236}">
+                <a16:creationId xmlns:a16="http://schemas.microsoft.com/office/drawing/2014/main" id="{6352352F-22B0-553E-7749-080753879A4F}"/>
+              </a:ext>
+            </a:extLst>
+          </p:cNvPr>
+          <p:cNvSpPr>
+            <a:spLocks noGrp="1"/>
+          </p:cNvSpPr>
+          <p:nvPr>
+            <p:ph idx="1"/>
+          </p:nvPr>
+        </p:nvSpPr>
+        <p:spPr/>
+        <p:txBody>
+          <a:bodyPr/>
+          <a:lstStyle/>
+          <a:p>
+            <a:r>
+              <a:rPr lang="en-US" dirty="0"/>
+              <a:t>Why is age specific fertility bell shaped? (Not all biology!)</a:t>
+            </a:r>
+          </a:p>
+          <a:p>
+            <a:r>
+              <a:rPr lang="en-US" dirty="0"/>
+              <a:t>Did </a:t>
+            </a:r>
+            <a:r>
+              <a:rPr lang="en-US" dirty="0" err="1"/>
+              <a:t>fert</a:t>
+            </a:r>
+            <a:r>
+              <a:rPr lang="en-US" dirty="0"/>
+              <a:t> in LDCs decline due to family planning programs or decline in demand for births? (Was once a hot debate, e.g. Pritchett)</a:t>
+            </a:r>
+          </a:p>
+          <a:p>
+            <a:r>
+              <a:rPr lang="en-US" dirty="0"/>
+              <a:t>Same for US Baby Bust –contraception vs demand?</a:t>
+            </a:r>
+          </a:p>
+          <a:p>
+            <a:r>
+              <a:rPr lang="en-US" dirty="0"/>
+              <a:t>How do contraceptive efficacy and abortion access affect fertility over time? </a:t>
+            </a:r>
+          </a:p>
+          <a:p>
+            <a:r>
+              <a:rPr lang="en-US" dirty="0"/>
+              <a:t>Do fertility intensions in surveys predict future fertility? </a:t>
+            </a:r>
+          </a:p>
+          <a:p>
+            <a:r>
+              <a:rPr lang="en-US" dirty="0"/>
+              <a:t>What aggregate fertility variables to use for analysis of temporal change?</a:t>
+            </a:r>
+          </a:p>
+          <a:p>
+            <a:endParaRPr lang="en-US" dirty="0"/>
+          </a:p>
+        </p:txBody>
+      </p:sp>
+      <p:sp>
+        <p:nvSpPr>
+          <p:cNvPr id="4" name="Footer Placeholder 3">
+            <a:extLst>
+              <a:ext uri="{FF2B5EF4-FFF2-40B4-BE49-F238E27FC236}">
+                <a16:creationId xmlns:a16="http://schemas.microsoft.com/office/drawing/2014/main" id="{1006A2EE-43C9-0EA4-89D4-06FC9A52747F}"/>
+              </a:ext>
+            </a:extLst>
+          </p:cNvPr>
+          <p:cNvSpPr>
+            <a:spLocks noGrp="1"/>
+          </p:cNvSpPr>
+          <p:nvPr>
+            <p:ph type="ftr" sz="quarter" idx="11"/>
+          </p:nvPr>
+        </p:nvSpPr>
+        <p:spPr/>
+        <p:txBody>
+          <a:bodyPr/>
+          <a:lstStyle/>
+          <a:p>
+            <a:r>
+              <a:rPr lang="en-US"/>
+              <a:t>Ronald Lee, UC Berkeley, June 8 2023</a:t>
+            </a:r>
+          </a:p>
+        </p:txBody>
+      </p:sp>
+      <p:sp>
+        <p:nvSpPr>
+          <p:cNvPr id="5" name="Slide Number Placeholder 4">
+            <a:extLst>
+              <a:ext uri="{FF2B5EF4-FFF2-40B4-BE49-F238E27FC236}">
+                <a16:creationId xmlns:a16="http://schemas.microsoft.com/office/drawing/2014/main" id="{1904BE9C-7431-2239-92A4-A0F5AC9CD562}"/>
+              </a:ext>
+            </a:extLst>
+          </p:cNvPr>
+          <p:cNvSpPr>
+            <a:spLocks noGrp="1"/>
+          </p:cNvSpPr>
+          <p:nvPr>
+            <p:ph type="sldNum" sz="quarter" idx="12"/>
+          </p:nvPr>
+        </p:nvSpPr>
+        <p:spPr/>
+        <p:txBody>
+          <a:bodyPr/>
+          <a:lstStyle/>
+          <a:p>
+            <a:fld id="{6B6E5051-45FE-481E-BC74-724D8AFE1529}" type="slidenum">
+              <a:rPr lang="en-US" smtClean="0"/>
+              <a:t>3</a:t>
+            </a:fld>
+            <a:endParaRPr lang="en-US"/>
+          </a:p>
+        </p:txBody>
+      </p:sp>
+    </p:spTree>
+    <p:extLst>
+      <p:ext uri="{BB962C8B-B14F-4D97-AF65-F5344CB8AC3E}">
+        <p14:creationId xmlns:p14="http://schemas.microsoft.com/office/powerpoint/2010/main" val="2129560449"/>
+      </p:ext>
+    </p:extLst>
+  </p:cSld>
+  <p:clrMapOvr>
+    <a:masterClrMapping/>
+  </p:clrMapOvr>
+</p:sld>
+</file>
+
+<file path=ppt/slides/slide30.xml><?xml version="1.0" encoding="utf-8"?>
+<p:sld xmlns:a="http://schemas.openxmlformats.org/drawingml/2006/main" xmlns:r="http://schemas.openxmlformats.org/officeDocument/2006/relationships" xmlns:p="http://schemas.openxmlformats.org/presentationml/2006/main">
+  <p:cSld>
+    <p:spTree>
+      <p:nvGrpSpPr>
+        <p:cNvPr id="1" name=""/>
+        <p:cNvGrpSpPr/>
+        <p:nvPr/>
+      </p:nvGrpSpPr>
+      <p:grpSpPr>
+        <a:xfrm>
+          <a:off x="0" y="0"/>
+          <a:ext cx="0" cy="0"/>
+          <a:chOff x="0" y="0"/>
+          <a:chExt cx="0" cy="0"/>
+        </a:xfrm>
+      </p:grpSpPr>
+      <p:sp>
+        <p:nvSpPr>
+          <p:cNvPr id="2" name="Title 1">
+            <a:extLst>
+              <a:ext uri="{FF2B5EF4-FFF2-40B4-BE49-F238E27FC236}">
+                <a16:creationId xmlns:a16="http://schemas.microsoft.com/office/drawing/2014/main" id="{B58D5B46-0915-CC07-B77D-E36CFF4EDF32}"/>
+              </a:ext>
+            </a:extLst>
+          </p:cNvPr>
+          <p:cNvSpPr>
+            <a:spLocks noGrp="1"/>
+          </p:cNvSpPr>
+          <p:nvPr>
+            <p:ph type="title"/>
+          </p:nvPr>
+        </p:nvSpPr>
+        <p:spPr/>
+        <p:txBody>
+          <a:bodyPr/>
+          <a:lstStyle/>
+          <a:p>
+            <a:r>
+              <a:rPr lang="en-US" dirty="0"/>
+              <a:t>Made-up data for f(y)</a:t>
+            </a:r>
+          </a:p>
+        </p:txBody>
+      </p:sp>
+      <p:sp>
+        <p:nvSpPr>
+          <p:cNvPr id="4" name="Text Placeholder 3">
+            <a:extLst>
+              <a:ext uri="{FF2B5EF4-FFF2-40B4-BE49-F238E27FC236}">
+                <a16:creationId xmlns:a16="http://schemas.microsoft.com/office/drawing/2014/main" id="{F7A032AE-C3C7-0CDE-2920-90F874DECB58}"/>
+              </a:ext>
+            </a:extLst>
+          </p:cNvPr>
+          <p:cNvSpPr>
+            <a:spLocks noGrp="1"/>
+          </p:cNvSpPr>
+          <p:nvPr>
+            <p:ph type="body" sz="half" idx="2"/>
+          </p:nvPr>
+        </p:nvSpPr>
+        <p:spPr/>
+        <p:txBody>
+          <a:bodyPr/>
+          <a:lstStyle/>
+          <a:p>
+            <a:endParaRPr lang="en-US" dirty="0"/>
+          </a:p>
+        </p:txBody>
+      </p:sp>
+      <p:sp>
+        <p:nvSpPr>
+          <p:cNvPr id="5" name="Footer Placeholder 4">
+            <a:extLst>
+              <a:ext uri="{FF2B5EF4-FFF2-40B4-BE49-F238E27FC236}">
+                <a16:creationId xmlns:a16="http://schemas.microsoft.com/office/drawing/2014/main" id="{E9129665-2891-BF41-1BA2-02E5220A8968}"/>
+              </a:ext>
+            </a:extLst>
+          </p:cNvPr>
+          <p:cNvSpPr>
+            <a:spLocks noGrp="1"/>
+          </p:cNvSpPr>
+          <p:nvPr>
+            <p:ph type="ftr" sz="quarter" idx="11"/>
+          </p:nvPr>
+        </p:nvSpPr>
+        <p:spPr/>
+        <p:txBody>
+          <a:bodyPr/>
+          <a:lstStyle/>
+          <a:p>
+            <a:r>
+              <a:rPr lang="en-US"/>
+              <a:t>Ronald Lee, UC Berkeley, June 8 2023</a:t>
+            </a:r>
+          </a:p>
+        </p:txBody>
+      </p:sp>
+      <p:sp>
+        <p:nvSpPr>
+          <p:cNvPr id="6" name="Slide Number Placeholder 5">
+            <a:extLst>
+              <a:ext uri="{FF2B5EF4-FFF2-40B4-BE49-F238E27FC236}">
+                <a16:creationId xmlns:a16="http://schemas.microsoft.com/office/drawing/2014/main" id="{4030E384-AEB3-3ED7-1424-D0BC48B77E5E}"/>
+              </a:ext>
+            </a:extLst>
+          </p:cNvPr>
+          <p:cNvSpPr>
+            <a:spLocks noGrp="1"/>
+          </p:cNvSpPr>
+          <p:nvPr>
+            <p:ph type="sldNum" sz="quarter" idx="12"/>
+          </p:nvPr>
+        </p:nvSpPr>
+        <p:spPr/>
+        <p:txBody>
+          <a:bodyPr/>
+          <a:lstStyle/>
+          <a:p>
+            <a:fld id="{6B6E5051-45FE-481E-BC74-724D8AFE1529}" type="slidenum">
+              <a:rPr lang="en-US" smtClean="0"/>
+              <a:t>30</a:t>
             </a:fld>
             <a:endParaRPr lang="en-US"/>
           </a:p>
@@ -10960,7 +11369,7 @@
 </p:sld>
 </file>
 
-<file path=ppt/slides/slide3.xml><?xml version="1.0" encoding="utf-8"?>
+<file path=ppt/slides/slide31.xml><?xml version="1.0" encoding="utf-8"?>
 <p:sld xmlns:a="http://schemas.openxmlformats.org/drawingml/2006/main" xmlns:r="http://schemas.openxmlformats.org/officeDocument/2006/relationships" xmlns:p="http://schemas.openxmlformats.org/presentationml/2006/main">
   <p:cSld>
     <p:spTree>
@@ -10982,190 +11391,6 @@
           <p:cNvPr id="2" name="Title 1">
             <a:extLst>
               <a:ext uri="{FF2B5EF4-FFF2-40B4-BE49-F238E27FC236}">
-                <a16:creationId xmlns:a16="http://schemas.microsoft.com/office/drawing/2014/main" id="{1C1F7F56-6F3B-799F-9007-BE081CA0E6A3}"/>
-              </a:ext>
-            </a:extLst>
-          </p:cNvPr>
-          <p:cNvSpPr>
-            <a:spLocks noGrp="1"/>
-          </p:cNvSpPr>
-          <p:nvPr>
-            <p:ph type="title"/>
-          </p:nvPr>
-        </p:nvSpPr>
-        <p:spPr/>
-        <p:txBody>
-          <a:bodyPr/>
-          <a:lstStyle/>
-          <a:p>
-            <a:r>
-              <a:rPr lang="en-US" dirty="0"/>
-              <a:t>Questions</a:t>
-            </a:r>
-          </a:p>
-        </p:txBody>
-      </p:sp>
-      <p:sp>
-        <p:nvSpPr>
-          <p:cNvPr id="3" name="Content Placeholder 2">
-            <a:extLst>
-              <a:ext uri="{FF2B5EF4-FFF2-40B4-BE49-F238E27FC236}">
-                <a16:creationId xmlns:a16="http://schemas.microsoft.com/office/drawing/2014/main" id="{6352352F-22B0-553E-7749-080753879A4F}"/>
-              </a:ext>
-            </a:extLst>
-          </p:cNvPr>
-          <p:cNvSpPr>
-            <a:spLocks noGrp="1"/>
-          </p:cNvSpPr>
-          <p:nvPr>
-            <p:ph idx="1"/>
-          </p:nvPr>
-        </p:nvSpPr>
-        <p:spPr/>
-        <p:txBody>
-          <a:bodyPr/>
-          <a:lstStyle/>
-          <a:p>
-            <a:r>
-              <a:rPr lang="en-US" dirty="0"/>
-              <a:t>Why is age specific fertility bell shaped? (Not all biology!)</a:t>
-            </a:r>
-          </a:p>
-          <a:p>
-            <a:r>
-              <a:rPr lang="en-US" dirty="0"/>
-              <a:t>Did </a:t>
-            </a:r>
-            <a:r>
-              <a:rPr lang="en-US" dirty="0" err="1"/>
-              <a:t>fert</a:t>
-            </a:r>
-            <a:r>
-              <a:rPr lang="en-US" dirty="0"/>
-              <a:t> in LDCs decline due to family planning programs or decline in demand for births? (Was once a hot debate, e.g. Pritchett)</a:t>
-            </a:r>
-          </a:p>
-          <a:p>
-            <a:r>
-              <a:rPr lang="en-US" dirty="0"/>
-              <a:t>Same for US Baby Bust –contraception vs demand?</a:t>
-            </a:r>
-          </a:p>
-          <a:p>
-            <a:r>
-              <a:rPr lang="en-US" dirty="0"/>
-              <a:t>How do contraceptive efficacy and abortion access affect fertility over time? </a:t>
-            </a:r>
-          </a:p>
-          <a:p>
-            <a:r>
-              <a:rPr lang="en-US" dirty="0"/>
-              <a:t>Do fertility intensions in surveys predict future fertility? </a:t>
-            </a:r>
-          </a:p>
-          <a:p>
-            <a:r>
-              <a:rPr lang="en-US" dirty="0"/>
-              <a:t>What aggregate fertility variables to use for analysis of temporal change?</a:t>
-            </a:r>
-          </a:p>
-          <a:p>
-            <a:endParaRPr lang="en-US" dirty="0"/>
-          </a:p>
-        </p:txBody>
-      </p:sp>
-      <p:sp>
-        <p:nvSpPr>
-          <p:cNvPr id="4" name="Footer Placeholder 3">
-            <a:extLst>
-              <a:ext uri="{FF2B5EF4-FFF2-40B4-BE49-F238E27FC236}">
-                <a16:creationId xmlns:a16="http://schemas.microsoft.com/office/drawing/2014/main" id="{1006A2EE-43C9-0EA4-89D4-06FC9A52747F}"/>
-              </a:ext>
-            </a:extLst>
-          </p:cNvPr>
-          <p:cNvSpPr>
-            <a:spLocks noGrp="1"/>
-          </p:cNvSpPr>
-          <p:nvPr>
-            <p:ph type="ftr" sz="quarter" idx="11"/>
-          </p:nvPr>
-        </p:nvSpPr>
-        <p:spPr/>
-        <p:txBody>
-          <a:bodyPr/>
-          <a:lstStyle/>
-          <a:p>
-            <a:r>
-              <a:rPr lang="en-US"/>
-              <a:t>Ronald Lee, UC Berkeley, June 8 2023</a:t>
-            </a:r>
-          </a:p>
-        </p:txBody>
-      </p:sp>
-      <p:sp>
-        <p:nvSpPr>
-          <p:cNvPr id="5" name="Slide Number Placeholder 4">
-            <a:extLst>
-              <a:ext uri="{FF2B5EF4-FFF2-40B4-BE49-F238E27FC236}">
-                <a16:creationId xmlns:a16="http://schemas.microsoft.com/office/drawing/2014/main" id="{1904BE9C-7431-2239-92A4-A0F5AC9CD562}"/>
-              </a:ext>
-            </a:extLst>
-          </p:cNvPr>
-          <p:cNvSpPr>
-            <a:spLocks noGrp="1"/>
-          </p:cNvSpPr>
-          <p:nvPr>
-            <p:ph type="sldNum" sz="quarter" idx="12"/>
-          </p:nvPr>
-        </p:nvSpPr>
-        <p:spPr/>
-        <p:txBody>
-          <a:bodyPr/>
-          <a:lstStyle/>
-          <a:p>
-            <a:fld id="{6B6E5051-45FE-481E-BC74-724D8AFE1529}" type="slidenum">
-              <a:rPr lang="en-US" smtClean="0"/>
-              <a:t>3</a:t>
-            </a:fld>
-            <a:endParaRPr lang="en-US"/>
-          </a:p>
-        </p:txBody>
-      </p:sp>
-    </p:spTree>
-    <p:extLst>
-      <p:ext uri="{BB962C8B-B14F-4D97-AF65-F5344CB8AC3E}">
-        <p14:creationId xmlns:p14="http://schemas.microsoft.com/office/powerpoint/2010/main" val="2129560449"/>
-      </p:ext>
-    </p:extLst>
-  </p:cSld>
-  <p:clrMapOvr>
-    <a:masterClrMapping/>
-  </p:clrMapOvr>
-</p:sld>
-</file>
-
-<file path=ppt/slides/slide30.xml><?xml version="1.0" encoding="utf-8"?>
-<p:sld xmlns:a="http://schemas.openxmlformats.org/drawingml/2006/main" xmlns:r="http://schemas.openxmlformats.org/officeDocument/2006/relationships" xmlns:p="http://schemas.openxmlformats.org/presentationml/2006/main">
-  <p:cSld>
-    <p:spTree>
-      <p:nvGrpSpPr>
-        <p:cNvPr id="1" name=""/>
-        <p:cNvGrpSpPr/>
-        <p:nvPr/>
-      </p:nvGrpSpPr>
-      <p:grpSpPr>
-        <a:xfrm>
-          <a:off x="0" y="0"/>
-          <a:ext cx="0" cy="0"/>
-          <a:chOff x="0" y="0"/>
-          <a:chExt cx="0" cy="0"/>
-        </a:xfrm>
-      </p:grpSpPr>
-      <p:sp>
-        <p:nvSpPr>
-          <p:cNvPr id="2" name="Title 1">
-            <a:extLst>
-              <a:ext uri="{FF2B5EF4-FFF2-40B4-BE49-F238E27FC236}">
                 <a16:creationId xmlns:a16="http://schemas.microsoft.com/office/drawing/2014/main" id="{42940154-D095-6884-08B6-7A69739CEF95}"/>
               </a:ext>
             </a:extLst>
@@ -11371,7 +11596,7 @@
           <a:p>
             <a:fld id="{6B6E5051-45FE-481E-BC74-724D8AFE1529}" type="slidenum">
               <a:rPr lang="en-US" smtClean="0"/>
-              <a:t>30</a:t>
+              <a:t>31</a:t>
             </a:fld>
             <a:endParaRPr lang="en-US"/>
           </a:p>
@@ -11702,175 +11927,6 @@
 </p:sld>
 </file>
 
-<file path=ppt/slides/slide31.xml><?xml version="1.0" encoding="utf-8"?>
-<p:sld xmlns:a="http://schemas.openxmlformats.org/drawingml/2006/main" xmlns:r="http://schemas.openxmlformats.org/officeDocument/2006/relationships" xmlns:p="http://schemas.openxmlformats.org/presentationml/2006/main">
-  <p:cSld>
-    <p:spTree>
-      <p:nvGrpSpPr>
-        <p:cNvPr id="1" name=""/>
-        <p:cNvGrpSpPr/>
-        <p:nvPr/>
-      </p:nvGrpSpPr>
-      <p:grpSpPr>
-        <a:xfrm>
-          <a:off x="0" y="0"/>
-          <a:ext cx="0" cy="0"/>
-          <a:chOff x="0" y="0"/>
-          <a:chExt cx="0" cy="0"/>
-        </a:xfrm>
-      </p:grpSpPr>
-      <p:sp>
-        <p:nvSpPr>
-          <p:cNvPr id="6" name="Title 5">
-            <a:extLst>
-              <a:ext uri="{FF2B5EF4-FFF2-40B4-BE49-F238E27FC236}">
-                <a16:creationId xmlns:a16="http://schemas.microsoft.com/office/drawing/2014/main" id="{3E5B1ACB-DD2C-48E6-4D12-27AF2C387503}"/>
-              </a:ext>
-            </a:extLst>
-          </p:cNvPr>
-          <p:cNvSpPr>
-            <a:spLocks noGrp="1"/>
-          </p:cNvSpPr>
-          <p:nvPr>
-            <p:ph type="title"/>
-          </p:nvPr>
-        </p:nvSpPr>
-        <p:spPr/>
-        <p:txBody>
-          <a:bodyPr/>
-          <a:lstStyle/>
-          <a:p>
-            <a:r>
-              <a:rPr lang="en-US" dirty="0"/>
-              <a:t>F(y) corresponding to f(y)</a:t>
-            </a:r>
-          </a:p>
-        </p:txBody>
-      </p:sp>
-      <p:pic>
-        <p:nvPicPr>
-          <p:cNvPr id="9" name="Picture Placeholder 8">
-            <a:extLst>
-              <a:ext uri="{FF2B5EF4-FFF2-40B4-BE49-F238E27FC236}">
-                <a16:creationId xmlns:a16="http://schemas.microsoft.com/office/drawing/2014/main" id="{9FD18679-B0F0-814A-4A9F-6CB053B18095}"/>
-              </a:ext>
-            </a:extLst>
-          </p:cNvPr>
-          <p:cNvPicPr>
-            <a:picLocks noGrp="1" noChangeAspect="1"/>
-          </p:cNvPicPr>
-          <p:nvPr>
-            <p:ph type="pic" idx="1"/>
-          </p:nvPr>
-        </p:nvPicPr>
-        <p:blipFill>
-          <a:blip r:embed="rId2"/>
-          <a:srcRect l="4008" r="4008"/>
-          <a:stretch>
-            <a:fillRect/>
-          </a:stretch>
-        </p:blipFill>
-        <p:spPr>
-          <a:prstGeom prst="rect">
-            <a:avLst/>
-          </a:prstGeom>
-        </p:spPr>
-      </p:pic>
-      <p:sp>
-        <p:nvSpPr>
-          <p:cNvPr id="8" name="Text Placeholder 7">
-            <a:extLst>
-              <a:ext uri="{FF2B5EF4-FFF2-40B4-BE49-F238E27FC236}">
-                <a16:creationId xmlns:a16="http://schemas.microsoft.com/office/drawing/2014/main" id="{22CA7441-A38C-818C-8D23-965227EEA845}"/>
-              </a:ext>
-            </a:extLst>
-          </p:cNvPr>
-          <p:cNvSpPr>
-            <a:spLocks noGrp="1"/>
-          </p:cNvSpPr>
-          <p:nvPr>
-            <p:ph type="body" sz="half" idx="2"/>
-          </p:nvPr>
-        </p:nvSpPr>
-        <p:spPr/>
-        <p:txBody>
-          <a:bodyPr/>
-          <a:lstStyle/>
-          <a:p>
-            <a:endParaRPr lang="en-US"/>
-          </a:p>
-        </p:txBody>
-      </p:sp>
-      <p:sp>
-        <p:nvSpPr>
-          <p:cNvPr id="4" name="Footer Placeholder 3">
-            <a:extLst>
-              <a:ext uri="{FF2B5EF4-FFF2-40B4-BE49-F238E27FC236}">
-                <a16:creationId xmlns:a16="http://schemas.microsoft.com/office/drawing/2014/main" id="{72D92141-A1CC-8527-F944-5C7C8CB7A065}"/>
-              </a:ext>
-            </a:extLst>
-          </p:cNvPr>
-          <p:cNvSpPr>
-            <a:spLocks noGrp="1"/>
-          </p:cNvSpPr>
-          <p:nvPr>
-            <p:ph type="ftr" sz="quarter" idx="11"/>
-          </p:nvPr>
-        </p:nvSpPr>
-        <p:spPr/>
-        <p:txBody>
-          <a:bodyPr/>
-          <a:lstStyle/>
-          <a:p>
-            <a:r>
-              <a:rPr lang="en-US"/>
-              <a:t>Ronald Lee, UC Berkeley, June 8 2023</a:t>
-            </a:r>
-          </a:p>
-        </p:txBody>
-      </p:sp>
-      <p:sp>
-        <p:nvSpPr>
-          <p:cNvPr id="5" name="Slide Number Placeholder 4">
-            <a:extLst>
-              <a:ext uri="{FF2B5EF4-FFF2-40B4-BE49-F238E27FC236}">
-                <a16:creationId xmlns:a16="http://schemas.microsoft.com/office/drawing/2014/main" id="{51E93B89-5C26-7708-BE60-64DF191A1B4A}"/>
-              </a:ext>
-            </a:extLst>
-          </p:cNvPr>
-          <p:cNvSpPr>
-            <a:spLocks noGrp="1"/>
-          </p:cNvSpPr>
-          <p:nvPr>
-            <p:ph type="sldNum" sz="quarter" idx="12"/>
-          </p:nvPr>
-        </p:nvSpPr>
-        <p:spPr/>
-        <p:txBody>
-          <a:bodyPr/>
-          <a:lstStyle/>
-          <a:p>
-            <a:fld id="{6B6E5051-45FE-481E-BC74-724D8AFE1529}" type="slidenum">
-              <a:rPr lang="en-US" smtClean="0"/>
-              <a:t>31</a:t>
-            </a:fld>
-            <a:endParaRPr lang="en-US"/>
-          </a:p>
-        </p:txBody>
-      </p:sp>
-    </p:spTree>
-    <p:extLst>
-      <p:ext uri="{BB962C8B-B14F-4D97-AF65-F5344CB8AC3E}">
-        <p14:creationId xmlns:p14="http://schemas.microsoft.com/office/powerpoint/2010/main" val="2824880804"/>
-      </p:ext>
-    </p:extLst>
-  </p:cSld>
-  <p:clrMapOvr>
-    <a:masterClrMapping/>
-  </p:clrMapOvr>
-</p:sld>
-</file>
-
 <file path=ppt/slides/slide32.xml><?xml version="1.0" encoding="utf-8"?>
 <p:sld xmlns:a="http://schemas.openxmlformats.org/drawingml/2006/main" xmlns:r="http://schemas.openxmlformats.org/officeDocument/2006/relationships" xmlns:p="http://schemas.openxmlformats.org/presentationml/2006/main">
   <p:cSld>
@@ -11890,6 +11946,175 @@
       </p:grpSpPr>
       <p:sp>
         <p:nvSpPr>
+          <p:cNvPr id="6" name="Title 5">
+            <a:extLst>
+              <a:ext uri="{FF2B5EF4-FFF2-40B4-BE49-F238E27FC236}">
+                <a16:creationId xmlns:a16="http://schemas.microsoft.com/office/drawing/2014/main" id="{3E5B1ACB-DD2C-48E6-4D12-27AF2C387503}"/>
+              </a:ext>
+            </a:extLst>
+          </p:cNvPr>
+          <p:cNvSpPr>
+            <a:spLocks noGrp="1"/>
+          </p:cNvSpPr>
+          <p:nvPr>
+            <p:ph type="title"/>
+          </p:nvPr>
+        </p:nvSpPr>
+        <p:spPr/>
+        <p:txBody>
+          <a:bodyPr/>
+          <a:lstStyle/>
+          <a:p>
+            <a:r>
+              <a:rPr lang="en-US" dirty="0"/>
+              <a:t>F(y) corresponding to f(y)</a:t>
+            </a:r>
+          </a:p>
+        </p:txBody>
+      </p:sp>
+      <p:pic>
+        <p:nvPicPr>
+          <p:cNvPr id="9" name="Picture Placeholder 8">
+            <a:extLst>
+              <a:ext uri="{FF2B5EF4-FFF2-40B4-BE49-F238E27FC236}">
+                <a16:creationId xmlns:a16="http://schemas.microsoft.com/office/drawing/2014/main" id="{9FD18679-B0F0-814A-4A9F-6CB053B18095}"/>
+              </a:ext>
+            </a:extLst>
+          </p:cNvPr>
+          <p:cNvPicPr>
+            <a:picLocks noGrp="1" noChangeAspect="1"/>
+          </p:cNvPicPr>
+          <p:nvPr>
+            <p:ph type="pic" idx="1"/>
+          </p:nvPr>
+        </p:nvPicPr>
+        <p:blipFill>
+          <a:blip r:embed="rId2"/>
+          <a:srcRect l="4008" r="4008"/>
+          <a:stretch>
+            <a:fillRect/>
+          </a:stretch>
+        </p:blipFill>
+        <p:spPr>
+          <a:prstGeom prst="rect">
+            <a:avLst/>
+          </a:prstGeom>
+        </p:spPr>
+      </p:pic>
+      <p:sp>
+        <p:nvSpPr>
+          <p:cNvPr id="8" name="Text Placeholder 7">
+            <a:extLst>
+              <a:ext uri="{FF2B5EF4-FFF2-40B4-BE49-F238E27FC236}">
+                <a16:creationId xmlns:a16="http://schemas.microsoft.com/office/drawing/2014/main" id="{22CA7441-A38C-818C-8D23-965227EEA845}"/>
+              </a:ext>
+            </a:extLst>
+          </p:cNvPr>
+          <p:cNvSpPr>
+            <a:spLocks noGrp="1"/>
+          </p:cNvSpPr>
+          <p:nvPr>
+            <p:ph type="body" sz="half" idx="2"/>
+          </p:nvPr>
+        </p:nvSpPr>
+        <p:spPr/>
+        <p:txBody>
+          <a:bodyPr/>
+          <a:lstStyle/>
+          <a:p>
+            <a:endParaRPr lang="en-US"/>
+          </a:p>
+        </p:txBody>
+      </p:sp>
+      <p:sp>
+        <p:nvSpPr>
+          <p:cNvPr id="4" name="Footer Placeholder 3">
+            <a:extLst>
+              <a:ext uri="{FF2B5EF4-FFF2-40B4-BE49-F238E27FC236}">
+                <a16:creationId xmlns:a16="http://schemas.microsoft.com/office/drawing/2014/main" id="{72D92141-A1CC-8527-F944-5C7C8CB7A065}"/>
+              </a:ext>
+            </a:extLst>
+          </p:cNvPr>
+          <p:cNvSpPr>
+            <a:spLocks noGrp="1"/>
+          </p:cNvSpPr>
+          <p:nvPr>
+            <p:ph type="ftr" sz="quarter" idx="11"/>
+          </p:nvPr>
+        </p:nvSpPr>
+        <p:spPr/>
+        <p:txBody>
+          <a:bodyPr/>
+          <a:lstStyle/>
+          <a:p>
+            <a:r>
+              <a:rPr lang="en-US"/>
+              <a:t>Ronald Lee, UC Berkeley, June 8 2023</a:t>
+            </a:r>
+          </a:p>
+        </p:txBody>
+      </p:sp>
+      <p:sp>
+        <p:nvSpPr>
+          <p:cNvPr id="5" name="Slide Number Placeholder 4">
+            <a:extLst>
+              <a:ext uri="{FF2B5EF4-FFF2-40B4-BE49-F238E27FC236}">
+                <a16:creationId xmlns:a16="http://schemas.microsoft.com/office/drawing/2014/main" id="{51E93B89-5C26-7708-BE60-64DF191A1B4A}"/>
+              </a:ext>
+            </a:extLst>
+          </p:cNvPr>
+          <p:cNvSpPr>
+            <a:spLocks noGrp="1"/>
+          </p:cNvSpPr>
+          <p:nvPr>
+            <p:ph type="sldNum" sz="quarter" idx="12"/>
+          </p:nvPr>
+        </p:nvSpPr>
+        <p:spPr/>
+        <p:txBody>
+          <a:bodyPr/>
+          <a:lstStyle/>
+          <a:p>
+            <a:fld id="{6B6E5051-45FE-481E-BC74-724D8AFE1529}" type="slidenum">
+              <a:rPr lang="en-US" smtClean="0"/>
+              <a:t>32</a:t>
+            </a:fld>
+            <a:endParaRPr lang="en-US"/>
+          </a:p>
+        </p:txBody>
+      </p:sp>
+    </p:spTree>
+    <p:extLst>
+      <p:ext uri="{BB962C8B-B14F-4D97-AF65-F5344CB8AC3E}">
+        <p14:creationId xmlns:p14="http://schemas.microsoft.com/office/powerpoint/2010/main" val="2824880804"/>
+      </p:ext>
+    </p:extLst>
+  </p:cSld>
+  <p:clrMapOvr>
+    <a:masterClrMapping/>
+  </p:clrMapOvr>
+</p:sld>
+</file>
+
+<file path=ppt/slides/slide33.xml><?xml version="1.0" encoding="utf-8"?>
+<p:sld xmlns:a="http://schemas.openxmlformats.org/drawingml/2006/main" xmlns:r="http://schemas.openxmlformats.org/officeDocument/2006/relationships" xmlns:p="http://schemas.openxmlformats.org/presentationml/2006/main">
+  <p:cSld>
+    <p:spTree>
+      <p:nvGrpSpPr>
+        <p:cNvPr id="1" name=""/>
+        <p:cNvGrpSpPr/>
+        <p:nvPr/>
+      </p:nvGrpSpPr>
+      <p:grpSpPr>
+        <a:xfrm>
+          <a:off x="0" y="0"/>
+          <a:ext cx="0" cy="0"/>
+          <a:chOff x="0" y="0"/>
+          <a:chExt cx="0" cy="0"/>
+        </a:xfrm>
+      </p:grpSpPr>
+      <p:sp>
+        <p:nvSpPr>
           <p:cNvPr id="2" name="Title 1">
             <a:extLst>
               <a:ext uri="{FF2B5EF4-FFF2-40B4-BE49-F238E27FC236}">
@@ -12065,7 +12290,7 @@
           <a:p>
             <a:fld id="{6B6E5051-45FE-481E-BC74-724D8AFE1529}" type="slidenum">
               <a:rPr lang="en-US" smtClean="0"/>
-              <a:t>32</a:t>
+              <a:t>33</a:t>
             </a:fld>
             <a:endParaRPr lang="en-US"/>
           </a:p>
@@ -12336,7 +12561,7 @@
 </p:sld>
 </file>
 
-<file path=ppt/slides/slide33.xml><?xml version="1.0" encoding="utf-8"?>
+<file path=ppt/slides/slide34.xml><?xml version="1.0" encoding="utf-8"?>
 <p:sld xmlns:a="http://schemas.openxmlformats.org/drawingml/2006/main" xmlns:r="http://schemas.openxmlformats.org/officeDocument/2006/relationships" xmlns:p="http://schemas.openxmlformats.org/presentationml/2006/main">
   <p:cSld>
     <p:spTree>
@@ -12481,7 +12706,7 @@
           <a:p>
             <a:fld id="{6B6E5051-45FE-481E-BC74-724D8AFE1529}" type="slidenum">
               <a:rPr lang="en-US" smtClean="0"/>
-              <a:t>33</a:t>
+              <a:t>34</a:t>
             </a:fld>
             <a:endParaRPr lang="en-US"/>
           </a:p>
@@ -12500,7 +12725,7 @@
 </p:sld>
 </file>
 
-<file path=ppt/slides/slide34.xml><?xml version="1.0" encoding="utf-8"?>
+<file path=ppt/slides/slide35.xml><?xml version="1.0" encoding="utf-8"?>
 <p:sld xmlns:a="http://schemas.openxmlformats.org/drawingml/2006/main" xmlns:r="http://schemas.openxmlformats.org/officeDocument/2006/relationships" xmlns:p="http://schemas.openxmlformats.org/presentationml/2006/main">
   <p:cSld>
     <p:spTree>
@@ -12725,7 +12950,7 @@
           <a:p>
             <a:fld id="{6B6E5051-45FE-481E-BC74-724D8AFE1529}" type="slidenum">
               <a:rPr lang="en-US" smtClean="0"/>
-              <a:t>34</a:t>
+              <a:t>35</a:t>
             </a:fld>
             <a:endParaRPr lang="en-US"/>
           </a:p>
@@ -12870,7 +13095,7 @@
 </p:sld>
 </file>
 
-<file path=ppt/slides/slide35.xml><?xml version="1.0" encoding="utf-8"?>
+<file path=ppt/slides/slide36.xml><?xml version="1.0" encoding="utf-8"?>
 <p:sld xmlns:a="http://schemas.openxmlformats.org/drawingml/2006/main" xmlns:r="http://schemas.openxmlformats.org/officeDocument/2006/relationships" xmlns:p="http://schemas.openxmlformats.org/presentationml/2006/main">
   <p:cSld>
     <p:spTree>
@@ -13065,7 +13290,7 @@
           <a:p>
             <a:fld id="{6B6E5051-45FE-481E-BC74-724D8AFE1529}" type="slidenum">
               <a:rPr lang="en-US" smtClean="0"/>
-              <a:t>35</a:t>
+              <a:t>36</a:t>
             </a:fld>
             <a:endParaRPr lang="en-US"/>
           </a:p>
@@ -13084,7 +13309,7 @@
 </p:sld>
 </file>
 
-<file path=ppt/slides/slide36.xml><?xml version="1.0" encoding="utf-8"?>
+<file path=ppt/slides/slide37.xml><?xml version="1.0" encoding="utf-8"?>
 <p:sld xmlns:a="http://schemas.openxmlformats.org/drawingml/2006/main" xmlns:r="http://schemas.openxmlformats.org/officeDocument/2006/relationships" xmlns:p="http://schemas.openxmlformats.org/presentationml/2006/main">
   <p:cSld>
     <p:spTree>
@@ -13328,7 +13553,7 @@
           <a:p>
             <a:fld id="{6B6E5051-45FE-481E-BC74-724D8AFE1529}" type="slidenum">
               <a:rPr lang="en-US" smtClean="0"/>
-              <a:t>36</a:t>
+              <a:t>37</a:t>
             </a:fld>
             <a:endParaRPr lang="en-US"/>
           </a:p>
@@ -13536,7 +13761,7 @@
 </p:sld>
 </file>
 
-<file path=ppt/slides/slide37.xml><?xml version="1.0" encoding="utf-8"?>
+<file path=ppt/slides/slide38.xml><?xml version="1.0" encoding="utf-8"?>
 <p:sld xmlns:a="http://schemas.openxmlformats.org/drawingml/2006/main" xmlns:r="http://schemas.openxmlformats.org/officeDocument/2006/relationships" xmlns:p="http://schemas.openxmlformats.org/presentationml/2006/main">
   <p:cSld>
     <p:spTree>
@@ -13817,7 +14042,7 @@
           <a:p>
             <a:fld id="{6B6E5051-45FE-481E-BC74-724D8AFE1529}" type="slidenum">
               <a:rPr lang="en-US" smtClean="0"/>
-              <a:t>37</a:t>
+              <a:t>38</a:t>
             </a:fld>
             <a:endParaRPr lang="en-US"/>
           </a:p>
@@ -13962,7 +14187,7 @@
 </p:sld>
 </file>
 
-<file path=ppt/slides/slide38.xml><?xml version="1.0" encoding="utf-8"?>
+<file path=ppt/slides/slide39.xml><?xml version="1.0" encoding="utf-8"?>
 <p:sld xmlns:a="http://schemas.openxmlformats.org/drawingml/2006/main" xmlns:r="http://schemas.openxmlformats.org/officeDocument/2006/relationships" xmlns:p="http://schemas.openxmlformats.org/presentationml/2006/main">
   <p:cSld>
     <p:spTree>
@@ -14107,7 +14332,7 @@
           <a:p>
             <a:fld id="{6B6E5051-45FE-481E-BC74-724D8AFE1529}" type="slidenum">
               <a:rPr lang="en-US" smtClean="0"/>
-              <a:t>38</a:t>
+              <a:t>39</a:t>
             </a:fld>
             <a:endParaRPr lang="en-US"/>
           </a:p>
@@ -14189,7 +14414,7 @@
 </p:sld>
 </file>
 
-<file path=ppt/slides/slide39.xml><?xml version="1.0" encoding="utf-8"?>
+<file path=ppt/slides/slide4.xml><?xml version="1.0" encoding="utf-8"?>
 <p:sld xmlns:a="http://schemas.openxmlformats.org/drawingml/2006/main" xmlns:r="http://schemas.openxmlformats.org/officeDocument/2006/relationships" xmlns:p="http://schemas.openxmlformats.org/presentationml/2006/main">
   <p:cSld>
     <p:spTree>
@@ -14211,6 +14436,276 @@
           <p:cNvPr id="2" name="Title 1">
             <a:extLst>
               <a:ext uri="{FF2B5EF4-FFF2-40B4-BE49-F238E27FC236}">
+                <a16:creationId xmlns:a16="http://schemas.microsoft.com/office/drawing/2014/main" id="{52649397-E197-0DA7-391E-6E524B5526FE}"/>
+              </a:ext>
+            </a:extLst>
+          </p:cNvPr>
+          <p:cNvSpPr>
+            <a:spLocks noGrp="1"/>
+          </p:cNvSpPr>
+          <p:nvPr>
+            <p:ph type="title"/>
+          </p:nvPr>
+        </p:nvSpPr>
+        <p:spPr/>
+        <p:txBody>
+          <a:bodyPr/>
+          <a:lstStyle/>
+          <a:p>
+            <a:r>
+              <a:rPr lang="en-US" dirty="0"/>
+              <a:t>Perspectives on quantum and tempo</a:t>
+            </a:r>
+          </a:p>
+        </p:txBody>
+      </p:sp>
+      <p:sp>
+        <p:nvSpPr>
+          <p:cNvPr id="3" name="Content Placeholder 2">
+            <a:extLst>
+              <a:ext uri="{FF2B5EF4-FFF2-40B4-BE49-F238E27FC236}">
+                <a16:creationId xmlns:a16="http://schemas.microsoft.com/office/drawing/2014/main" id="{0F44CC2F-FEE2-5C16-7EF1-764FC46D92A6}"/>
+              </a:ext>
+            </a:extLst>
+          </p:cNvPr>
+          <p:cNvSpPr>
+            <a:spLocks noGrp="1"/>
+          </p:cNvSpPr>
+          <p:nvPr>
+            <p:ph idx="1"/>
+          </p:nvPr>
+        </p:nvSpPr>
+        <p:spPr/>
+        <p:txBody>
+          <a:bodyPr>
+            <a:normAutofit fontScale="92500" lnSpcReduction="20000"/>
+          </a:bodyPr>
+          <a:lstStyle/>
+          <a:p>
+            <a:pPr marL="514350" indent="-514350">
+              <a:buFont typeface="+mj-lt"/>
+              <a:buAutoNum type="arabicPeriod"/>
+            </a:pPr>
+            <a:r>
+              <a:rPr lang="en-US" dirty="0"/>
+              <a:t>A traditional view: </a:t>
+            </a:r>
+          </a:p>
+          <a:p>
+            <a:pPr lvl="1">
+              <a:buFont typeface="Wingdings" panose="05000000000000000000" pitchFamily="2" charset="2"/>
+              <a:buChar char="Ø"/>
+            </a:pPr>
+            <a:r>
+              <a:rPr lang="en-US" dirty="0"/>
+              <a:t>Couple formulates at marriage its desired completed fertility (D) “quantum”</a:t>
+            </a:r>
+          </a:p>
+          <a:p>
+            <a:pPr lvl="1">
+              <a:buFont typeface="Wingdings" panose="05000000000000000000" pitchFamily="2" charset="2"/>
+              <a:buChar char="Ø"/>
+            </a:pPr>
+            <a:r>
+              <a:rPr lang="en-US" dirty="0"/>
+              <a:t>Constant throughout life.</a:t>
+            </a:r>
+          </a:p>
+          <a:p>
+            <a:pPr lvl="1">
+              <a:buFont typeface="Wingdings" panose="05000000000000000000" pitchFamily="2" charset="2"/>
+              <a:buChar char="Ø"/>
+            </a:pPr>
+            <a:r>
+              <a:rPr lang="en-US" dirty="0"/>
+              <a:t>A normal pattern of timing and spacing leads to outcome D. “tempo”</a:t>
+            </a:r>
+          </a:p>
+          <a:p>
+            <a:pPr lvl="1">
+              <a:buFont typeface="Wingdings" panose="05000000000000000000" pitchFamily="2" charset="2"/>
+              <a:buChar char="Ø"/>
+            </a:pPr>
+            <a:r>
+              <a:rPr lang="en-US" dirty="0"/>
+              <a:t>Period socioeconomic context may lead to changes in tempo</a:t>
+            </a:r>
+          </a:p>
+          <a:p>
+            <a:pPr lvl="1">
+              <a:buFont typeface="Wingdings" panose="05000000000000000000" pitchFamily="2" charset="2"/>
+              <a:buChar char="Ø"/>
+            </a:pPr>
+            <a:r>
+              <a:rPr lang="en-US" dirty="0"/>
+              <a:t>Tempo changes then influence period TFR.</a:t>
+            </a:r>
+          </a:p>
+          <a:p>
+            <a:pPr marL="514350" indent="-514350">
+              <a:buFont typeface="+mj-lt"/>
+              <a:buAutoNum type="arabicPeriod"/>
+            </a:pPr>
+            <a:r>
+              <a:rPr lang="en-US" dirty="0" err="1"/>
+              <a:t>Bongaarts</a:t>
+            </a:r>
+            <a:r>
+              <a:rPr lang="en-US" dirty="0"/>
+              <a:t>-Feeney:</a:t>
+            </a:r>
+          </a:p>
+          <a:p>
+            <a:pPr lvl="1">
+              <a:buFont typeface="Wingdings" panose="05000000000000000000" pitchFamily="2" charset="2"/>
+              <a:buChar char="Ø"/>
+            </a:pPr>
+            <a:r>
+              <a:rPr lang="en-US" dirty="0"/>
+              <a:t>Reject causal force of quantum as pole star.</a:t>
+            </a:r>
+          </a:p>
+          <a:p>
+            <a:pPr lvl="1">
+              <a:buFont typeface="Wingdings" panose="05000000000000000000" pitchFamily="2" charset="2"/>
+              <a:buChar char="Ø"/>
+            </a:pPr>
+            <a:r>
+              <a:rPr lang="en-US" dirty="0"/>
+              <a:t>Focus on advancing or postponing timing.</a:t>
+            </a:r>
+          </a:p>
+          <a:p>
+            <a:pPr marL="514350" indent="-514350">
+              <a:buFont typeface="+mj-lt"/>
+              <a:buAutoNum type="arabicPeriod"/>
+            </a:pPr>
+            <a:r>
+              <a:rPr lang="en-US" dirty="0"/>
+              <a:t>Moving target or stock adjustment approach</a:t>
+            </a:r>
+          </a:p>
+          <a:p>
+            <a:pPr lvl="1">
+              <a:buFont typeface="Wingdings" panose="05000000000000000000" pitchFamily="2" charset="2"/>
+              <a:buChar char="Ø"/>
+            </a:pPr>
+            <a:r>
+              <a:rPr lang="en-US" dirty="0"/>
+              <a:t>Fertility is intentional effort to achieve target, but subject to accident as well.</a:t>
+            </a:r>
+          </a:p>
+          <a:p>
+            <a:pPr lvl="1">
+              <a:buFont typeface="Wingdings" panose="05000000000000000000" pitchFamily="2" charset="2"/>
+              <a:buChar char="Ø"/>
+            </a:pPr>
+            <a:r>
+              <a:rPr lang="en-US" dirty="0"/>
+              <a:t>Both target D and spacing vary with period conditions, and changing D can cause changes in timing and spacing that would show up as tempo in other frameworks. </a:t>
+            </a:r>
+          </a:p>
+          <a:p>
+            <a:pPr lvl="1">
+              <a:buFont typeface="Wingdings" panose="05000000000000000000" pitchFamily="2" charset="2"/>
+              <a:buChar char="Ø"/>
+            </a:pPr>
+            <a:endParaRPr lang="en-US" dirty="0"/>
+          </a:p>
+        </p:txBody>
+      </p:sp>
+      <p:sp>
+        <p:nvSpPr>
+          <p:cNvPr id="4" name="Footer Placeholder 3">
+            <a:extLst>
+              <a:ext uri="{FF2B5EF4-FFF2-40B4-BE49-F238E27FC236}">
+                <a16:creationId xmlns:a16="http://schemas.microsoft.com/office/drawing/2014/main" id="{CD1572B5-8A8D-8B2E-5995-7A4C54C043E3}"/>
+              </a:ext>
+            </a:extLst>
+          </p:cNvPr>
+          <p:cNvSpPr>
+            <a:spLocks noGrp="1"/>
+          </p:cNvSpPr>
+          <p:nvPr>
+            <p:ph type="ftr" sz="quarter" idx="11"/>
+          </p:nvPr>
+        </p:nvSpPr>
+        <p:spPr/>
+        <p:txBody>
+          <a:bodyPr/>
+          <a:lstStyle/>
+          <a:p>
+            <a:r>
+              <a:rPr lang="en-US"/>
+              <a:t>Ronald Lee, UC Berkeley, June 8 2023</a:t>
+            </a:r>
+          </a:p>
+        </p:txBody>
+      </p:sp>
+      <p:sp>
+        <p:nvSpPr>
+          <p:cNvPr id="5" name="Slide Number Placeholder 4">
+            <a:extLst>
+              <a:ext uri="{FF2B5EF4-FFF2-40B4-BE49-F238E27FC236}">
+                <a16:creationId xmlns:a16="http://schemas.microsoft.com/office/drawing/2014/main" id="{14E609A0-F79E-4FCD-D4D1-B3C93802DF2D}"/>
+              </a:ext>
+            </a:extLst>
+          </p:cNvPr>
+          <p:cNvSpPr>
+            <a:spLocks noGrp="1"/>
+          </p:cNvSpPr>
+          <p:nvPr>
+            <p:ph type="sldNum" sz="quarter" idx="12"/>
+          </p:nvPr>
+        </p:nvSpPr>
+        <p:spPr/>
+        <p:txBody>
+          <a:bodyPr/>
+          <a:lstStyle/>
+          <a:p>
+            <a:fld id="{6B6E5051-45FE-481E-BC74-724D8AFE1529}" type="slidenum">
+              <a:rPr lang="en-US" smtClean="0"/>
+              <a:t>4</a:t>
+            </a:fld>
+            <a:endParaRPr lang="en-US"/>
+          </a:p>
+        </p:txBody>
+      </p:sp>
+    </p:spTree>
+    <p:extLst>
+      <p:ext uri="{BB962C8B-B14F-4D97-AF65-F5344CB8AC3E}">
+        <p14:creationId xmlns:p14="http://schemas.microsoft.com/office/powerpoint/2010/main" val="3589232419"/>
+      </p:ext>
+    </p:extLst>
+  </p:cSld>
+  <p:clrMapOvr>
+    <a:masterClrMapping/>
+  </p:clrMapOvr>
+</p:sld>
+</file>
+
+<file path=ppt/slides/slide40.xml><?xml version="1.0" encoding="utf-8"?>
+<p:sld xmlns:a="http://schemas.openxmlformats.org/drawingml/2006/main" xmlns:r="http://schemas.openxmlformats.org/officeDocument/2006/relationships" xmlns:p="http://schemas.openxmlformats.org/presentationml/2006/main">
+  <p:cSld>
+    <p:spTree>
+      <p:nvGrpSpPr>
+        <p:cNvPr id="1" name=""/>
+        <p:cNvGrpSpPr/>
+        <p:nvPr/>
+      </p:nvGrpSpPr>
+      <p:grpSpPr>
+        <a:xfrm>
+          <a:off x="0" y="0"/>
+          <a:ext cx="0" cy="0"/>
+          <a:chOff x="0" y="0"/>
+          <a:chExt cx="0" cy="0"/>
+        </a:xfrm>
+      </p:grpSpPr>
+      <p:sp>
+        <p:nvSpPr>
+          <p:cNvPr id="2" name="Title 1">
+            <a:extLst>
+              <a:ext uri="{FF2B5EF4-FFF2-40B4-BE49-F238E27FC236}">
                 <a16:creationId xmlns:a16="http://schemas.microsoft.com/office/drawing/2014/main" id="{9A48DBEA-849C-A292-9209-7619D0BE7B86}"/>
               </a:ext>
             </a:extLst>
@@ -14368,7 +14863,7 @@
           <a:p>
             <a:fld id="{6B6E5051-45FE-481E-BC74-724D8AFE1529}" type="slidenum">
               <a:rPr lang="en-US" smtClean="0"/>
-              <a:t>39</a:t>
+              <a:t>40</a:t>
             </a:fld>
             <a:endParaRPr lang="en-US"/>
           </a:p>
@@ -14450,7 +14945,7 @@
 </p:sld>
 </file>
 
-<file path=ppt/slides/slide4.xml><?xml version="1.0" encoding="utf-8"?>
+<file path=ppt/slides/slide41.xml><?xml version="1.0" encoding="utf-8"?>
 <p:sld xmlns:a="http://schemas.openxmlformats.org/drawingml/2006/main" xmlns:r="http://schemas.openxmlformats.org/officeDocument/2006/relationships" xmlns:p="http://schemas.openxmlformats.org/presentationml/2006/main">
   <p:cSld>
     <p:spTree>
@@ -14472,276 +14967,6 @@
           <p:cNvPr id="2" name="Title 1">
             <a:extLst>
               <a:ext uri="{FF2B5EF4-FFF2-40B4-BE49-F238E27FC236}">
-                <a16:creationId xmlns:a16="http://schemas.microsoft.com/office/drawing/2014/main" id="{52649397-E197-0DA7-391E-6E524B5526FE}"/>
-              </a:ext>
-            </a:extLst>
-          </p:cNvPr>
-          <p:cNvSpPr>
-            <a:spLocks noGrp="1"/>
-          </p:cNvSpPr>
-          <p:nvPr>
-            <p:ph type="title"/>
-          </p:nvPr>
-        </p:nvSpPr>
-        <p:spPr/>
-        <p:txBody>
-          <a:bodyPr/>
-          <a:lstStyle/>
-          <a:p>
-            <a:r>
-              <a:rPr lang="en-US" dirty="0"/>
-              <a:t>Perspectives on quantum and tempo</a:t>
-            </a:r>
-          </a:p>
-        </p:txBody>
-      </p:sp>
-      <p:sp>
-        <p:nvSpPr>
-          <p:cNvPr id="3" name="Content Placeholder 2">
-            <a:extLst>
-              <a:ext uri="{FF2B5EF4-FFF2-40B4-BE49-F238E27FC236}">
-                <a16:creationId xmlns:a16="http://schemas.microsoft.com/office/drawing/2014/main" id="{0F44CC2F-FEE2-5C16-7EF1-764FC46D92A6}"/>
-              </a:ext>
-            </a:extLst>
-          </p:cNvPr>
-          <p:cNvSpPr>
-            <a:spLocks noGrp="1"/>
-          </p:cNvSpPr>
-          <p:nvPr>
-            <p:ph idx="1"/>
-          </p:nvPr>
-        </p:nvSpPr>
-        <p:spPr/>
-        <p:txBody>
-          <a:bodyPr>
-            <a:normAutofit fontScale="92500" lnSpcReduction="20000"/>
-          </a:bodyPr>
-          <a:lstStyle/>
-          <a:p>
-            <a:pPr marL="514350" indent="-514350">
-              <a:buFont typeface="+mj-lt"/>
-              <a:buAutoNum type="arabicPeriod"/>
-            </a:pPr>
-            <a:r>
-              <a:rPr lang="en-US" dirty="0"/>
-              <a:t>A traditional view: </a:t>
-            </a:r>
-          </a:p>
-          <a:p>
-            <a:pPr lvl="1">
-              <a:buFont typeface="Wingdings" panose="05000000000000000000" pitchFamily="2" charset="2"/>
-              <a:buChar char="Ø"/>
-            </a:pPr>
-            <a:r>
-              <a:rPr lang="en-US" dirty="0"/>
-              <a:t>Couple formulates at marriage its desired completed fertility (D) “quantum”</a:t>
-            </a:r>
-          </a:p>
-          <a:p>
-            <a:pPr lvl="1">
-              <a:buFont typeface="Wingdings" panose="05000000000000000000" pitchFamily="2" charset="2"/>
-              <a:buChar char="Ø"/>
-            </a:pPr>
-            <a:r>
-              <a:rPr lang="en-US" dirty="0"/>
-              <a:t>Constant throughout life.</a:t>
-            </a:r>
-          </a:p>
-          <a:p>
-            <a:pPr lvl="1">
-              <a:buFont typeface="Wingdings" panose="05000000000000000000" pitchFamily="2" charset="2"/>
-              <a:buChar char="Ø"/>
-            </a:pPr>
-            <a:r>
-              <a:rPr lang="en-US" dirty="0"/>
-              <a:t>A normal pattern of timing and spacing leads to outcome D. “tempo”</a:t>
-            </a:r>
-          </a:p>
-          <a:p>
-            <a:pPr lvl="1">
-              <a:buFont typeface="Wingdings" panose="05000000000000000000" pitchFamily="2" charset="2"/>
-              <a:buChar char="Ø"/>
-            </a:pPr>
-            <a:r>
-              <a:rPr lang="en-US" dirty="0"/>
-              <a:t>Period socioeconomic context may lead to changes in tempo</a:t>
-            </a:r>
-          </a:p>
-          <a:p>
-            <a:pPr lvl="1">
-              <a:buFont typeface="Wingdings" panose="05000000000000000000" pitchFamily="2" charset="2"/>
-              <a:buChar char="Ø"/>
-            </a:pPr>
-            <a:r>
-              <a:rPr lang="en-US" dirty="0"/>
-              <a:t>Tempo changes then influence period TFR.</a:t>
-            </a:r>
-          </a:p>
-          <a:p>
-            <a:pPr marL="514350" indent="-514350">
-              <a:buFont typeface="+mj-lt"/>
-              <a:buAutoNum type="arabicPeriod"/>
-            </a:pPr>
-            <a:r>
-              <a:rPr lang="en-US" dirty="0" err="1"/>
-              <a:t>Bongaarts</a:t>
-            </a:r>
-            <a:r>
-              <a:rPr lang="en-US" dirty="0"/>
-              <a:t>-Feeney:</a:t>
-            </a:r>
-          </a:p>
-          <a:p>
-            <a:pPr lvl="1">
-              <a:buFont typeface="Wingdings" panose="05000000000000000000" pitchFamily="2" charset="2"/>
-              <a:buChar char="Ø"/>
-            </a:pPr>
-            <a:r>
-              <a:rPr lang="en-US" dirty="0"/>
-              <a:t>Reject causal force of quantum as pole star.</a:t>
-            </a:r>
-          </a:p>
-          <a:p>
-            <a:pPr lvl="1">
-              <a:buFont typeface="Wingdings" panose="05000000000000000000" pitchFamily="2" charset="2"/>
-              <a:buChar char="Ø"/>
-            </a:pPr>
-            <a:r>
-              <a:rPr lang="en-US" dirty="0"/>
-              <a:t>Focus on advancing or postponing timing.</a:t>
-            </a:r>
-          </a:p>
-          <a:p>
-            <a:pPr marL="514350" indent="-514350">
-              <a:buFont typeface="+mj-lt"/>
-              <a:buAutoNum type="arabicPeriod"/>
-            </a:pPr>
-            <a:r>
-              <a:rPr lang="en-US" dirty="0"/>
-              <a:t>Moving target or stock adjustment approach</a:t>
-            </a:r>
-          </a:p>
-          <a:p>
-            <a:pPr lvl="1">
-              <a:buFont typeface="Wingdings" panose="05000000000000000000" pitchFamily="2" charset="2"/>
-              <a:buChar char="Ø"/>
-            </a:pPr>
-            <a:r>
-              <a:rPr lang="en-US" dirty="0"/>
-              <a:t>Fertility is intentional effort to achieve target, but subject to accident as well.</a:t>
-            </a:r>
-          </a:p>
-          <a:p>
-            <a:pPr lvl="1">
-              <a:buFont typeface="Wingdings" panose="05000000000000000000" pitchFamily="2" charset="2"/>
-              <a:buChar char="Ø"/>
-            </a:pPr>
-            <a:r>
-              <a:rPr lang="en-US" dirty="0"/>
-              <a:t>Both target D and spacing vary with period conditions, and changing D can cause changes in timing and spacing that would show up as tempo in other frameworks. </a:t>
-            </a:r>
-          </a:p>
-          <a:p>
-            <a:pPr lvl="1">
-              <a:buFont typeface="Wingdings" panose="05000000000000000000" pitchFamily="2" charset="2"/>
-              <a:buChar char="Ø"/>
-            </a:pPr>
-            <a:endParaRPr lang="en-US" dirty="0"/>
-          </a:p>
-        </p:txBody>
-      </p:sp>
-      <p:sp>
-        <p:nvSpPr>
-          <p:cNvPr id="4" name="Footer Placeholder 3">
-            <a:extLst>
-              <a:ext uri="{FF2B5EF4-FFF2-40B4-BE49-F238E27FC236}">
-                <a16:creationId xmlns:a16="http://schemas.microsoft.com/office/drawing/2014/main" id="{CD1572B5-8A8D-8B2E-5995-7A4C54C043E3}"/>
-              </a:ext>
-            </a:extLst>
-          </p:cNvPr>
-          <p:cNvSpPr>
-            <a:spLocks noGrp="1"/>
-          </p:cNvSpPr>
-          <p:nvPr>
-            <p:ph type="ftr" sz="quarter" idx="11"/>
-          </p:nvPr>
-        </p:nvSpPr>
-        <p:spPr/>
-        <p:txBody>
-          <a:bodyPr/>
-          <a:lstStyle/>
-          <a:p>
-            <a:r>
-              <a:rPr lang="en-US"/>
-              <a:t>Ronald Lee, UC Berkeley, June 8 2023</a:t>
-            </a:r>
-          </a:p>
-        </p:txBody>
-      </p:sp>
-      <p:sp>
-        <p:nvSpPr>
-          <p:cNvPr id="5" name="Slide Number Placeholder 4">
-            <a:extLst>
-              <a:ext uri="{FF2B5EF4-FFF2-40B4-BE49-F238E27FC236}">
-                <a16:creationId xmlns:a16="http://schemas.microsoft.com/office/drawing/2014/main" id="{14E609A0-F79E-4FCD-D4D1-B3C93802DF2D}"/>
-              </a:ext>
-            </a:extLst>
-          </p:cNvPr>
-          <p:cNvSpPr>
-            <a:spLocks noGrp="1"/>
-          </p:cNvSpPr>
-          <p:nvPr>
-            <p:ph type="sldNum" sz="quarter" idx="12"/>
-          </p:nvPr>
-        </p:nvSpPr>
-        <p:spPr/>
-        <p:txBody>
-          <a:bodyPr/>
-          <a:lstStyle/>
-          <a:p>
-            <a:fld id="{6B6E5051-45FE-481E-BC74-724D8AFE1529}" type="slidenum">
-              <a:rPr lang="en-US" smtClean="0"/>
-              <a:t>4</a:t>
-            </a:fld>
-            <a:endParaRPr lang="en-US"/>
-          </a:p>
-        </p:txBody>
-      </p:sp>
-    </p:spTree>
-    <p:extLst>
-      <p:ext uri="{BB962C8B-B14F-4D97-AF65-F5344CB8AC3E}">
-        <p14:creationId xmlns:p14="http://schemas.microsoft.com/office/powerpoint/2010/main" val="3589232419"/>
-      </p:ext>
-    </p:extLst>
-  </p:cSld>
-  <p:clrMapOvr>
-    <a:masterClrMapping/>
-  </p:clrMapOvr>
-</p:sld>
-</file>
-
-<file path=ppt/slides/slide40.xml><?xml version="1.0" encoding="utf-8"?>
-<p:sld xmlns:a="http://schemas.openxmlformats.org/drawingml/2006/main" xmlns:r="http://schemas.openxmlformats.org/officeDocument/2006/relationships" xmlns:p="http://schemas.openxmlformats.org/presentationml/2006/main">
-  <p:cSld>
-    <p:spTree>
-      <p:nvGrpSpPr>
-        <p:cNvPr id="1" name=""/>
-        <p:cNvGrpSpPr/>
-        <p:nvPr/>
-      </p:nvGrpSpPr>
-      <p:grpSpPr>
-        <a:xfrm>
-          <a:off x="0" y="0"/>
-          <a:ext cx="0" cy="0"/>
-          <a:chOff x="0" y="0"/>
-          <a:chExt cx="0" cy="0"/>
-        </a:xfrm>
-      </p:grpSpPr>
-      <p:sp>
-        <p:nvSpPr>
-          <p:cNvPr id="2" name="Title 1">
-            <a:extLst>
-              <a:ext uri="{FF2B5EF4-FFF2-40B4-BE49-F238E27FC236}">
                 <a16:creationId xmlns:a16="http://schemas.microsoft.com/office/drawing/2014/main" id="{F5630002-28EE-BBD3-55CB-62C52EA517E2}"/>
               </a:ext>
             </a:extLst>
@@ -15047,7 +15272,7 @@
           <a:p>
             <a:fld id="{6B6E5051-45FE-481E-BC74-724D8AFE1529}" type="slidenum">
               <a:rPr lang="en-US" smtClean="0"/>
-              <a:t>40</a:t>
+              <a:t>41</a:t>
             </a:fld>
             <a:endParaRPr lang="en-US"/>
           </a:p>
@@ -15255,7 +15480,7 @@
 </p:sld>
 </file>
 
-<file path=ppt/slides/slide41.xml><?xml version="1.0" encoding="utf-8"?>
+<file path=ppt/slides/slide42.xml><?xml version="1.0" encoding="utf-8"?>
 <p:sld xmlns:a="http://schemas.openxmlformats.org/drawingml/2006/main" xmlns:r="http://schemas.openxmlformats.org/officeDocument/2006/relationships" xmlns:p="http://schemas.openxmlformats.org/presentationml/2006/main">
   <p:cSld>
     <p:spTree>
@@ -15436,7 +15661,7 @@
           <a:p>
             <a:fld id="{6B6E5051-45FE-481E-BC74-724D8AFE1529}" type="slidenum">
               <a:rPr lang="en-US" smtClean="0"/>
-              <a:t>41</a:t>
+              <a:t>42</a:t>
             </a:fld>
             <a:endParaRPr lang="en-US"/>
           </a:p>
@@ -15644,201 +15869,6 @@
 </p:sld>
 </file>
 
-<file path=ppt/slides/slide42.xml><?xml version="1.0" encoding="utf-8"?>
-<p:sld xmlns:a="http://schemas.openxmlformats.org/drawingml/2006/main" xmlns:r="http://schemas.openxmlformats.org/officeDocument/2006/relationships" xmlns:p="http://schemas.openxmlformats.org/presentationml/2006/main">
-  <p:cSld>
-    <p:spTree>
-      <p:nvGrpSpPr>
-        <p:cNvPr id="1" name=""/>
-        <p:cNvGrpSpPr/>
-        <p:nvPr/>
-      </p:nvGrpSpPr>
-      <p:grpSpPr>
-        <a:xfrm>
-          <a:off x="0" y="0"/>
-          <a:ext cx="0" cy="0"/>
-          <a:chOff x="0" y="0"/>
-          <a:chExt cx="0" cy="0"/>
-        </a:xfrm>
-      </p:grpSpPr>
-      <p:sp>
-        <p:nvSpPr>
-          <p:cNvPr id="2" name="Title 1">
-            <a:extLst>
-              <a:ext uri="{FF2B5EF4-FFF2-40B4-BE49-F238E27FC236}">
-                <a16:creationId xmlns:a16="http://schemas.microsoft.com/office/drawing/2014/main" id="{1962ACC0-F802-56A3-B92A-9A5CF3F7670F}"/>
-              </a:ext>
-            </a:extLst>
-          </p:cNvPr>
-          <p:cNvSpPr>
-            <a:spLocks noGrp="1"/>
-          </p:cNvSpPr>
-          <p:nvPr>
-            <p:ph type="title"/>
-          </p:nvPr>
-        </p:nvSpPr>
-        <p:spPr>
-          <a:xfrm>
-            <a:off x="838200" y="365126"/>
-            <a:ext cx="10515600" cy="995530"/>
-          </a:xfrm>
-        </p:spPr>
-        <p:txBody>
-          <a:bodyPr>
-            <a:noAutofit/>
-          </a:bodyPr>
-          <a:lstStyle/>
-          <a:p>
-            <a:r>
-              <a:rPr lang="en-US" sz="4000" dirty="0"/>
-              <a:t>The TFR equals desired family size when desired family size is declining.</a:t>
-            </a:r>
-          </a:p>
-        </p:txBody>
-      </p:sp>
-      <p:sp>
-        <p:nvSpPr>
-          <p:cNvPr id="3" name="Content Placeholder 2">
-            <a:extLst>
-              <a:ext uri="{FF2B5EF4-FFF2-40B4-BE49-F238E27FC236}">
-                <a16:creationId xmlns:a16="http://schemas.microsoft.com/office/drawing/2014/main" id="{C6DB9A2C-60B9-F854-8AB8-E64C6403F537}"/>
-              </a:ext>
-            </a:extLst>
-          </p:cNvPr>
-          <p:cNvSpPr>
-            <a:spLocks noGrp="1"/>
-          </p:cNvSpPr>
-          <p:nvPr>
-            <p:ph idx="1"/>
-          </p:nvPr>
-        </p:nvSpPr>
-        <p:spPr>
-          <a:xfrm>
-            <a:off x="838200" y="1540042"/>
-            <a:ext cx="10515600" cy="4636921"/>
-          </a:xfrm>
-        </p:spPr>
-        <p:txBody>
-          <a:bodyPr>
-            <a:normAutofit lnSpcReduction="10000"/>
-          </a:bodyPr>
-          <a:lstStyle/>
-          <a:p>
-            <a:r>
-              <a:rPr lang="en-US" dirty="0"/>
-              <a:t>If D is declining, no woman switches from terminator to non-terminator status</a:t>
-            </a:r>
-          </a:p>
-          <a:p>
-            <a:pPr lvl="1">
-              <a:buFont typeface="Wingdings" panose="05000000000000000000" pitchFamily="2" charset="2"/>
-              <a:buChar char="Ø"/>
-            </a:pPr>
-            <a:r>
-              <a:rPr lang="en-US" dirty="0"/>
-              <a:t>If she wanted no children in the past, she certainly will not want more when she has reduced her overall target. </a:t>
-            </a:r>
-          </a:p>
-          <a:p>
-            <a:pPr lvl="1">
-              <a:buFont typeface="Wingdings" panose="05000000000000000000" pitchFamily="2" charset="2"/>
-              <a:buChar char="Ø"/>
-            </a:pPr>
-            <a:r>
-              <a:rPr lang="en-US" dirty="0"/>
-              <a:t>Therefore the only women bearing children will always have been nonterminators</a:t>
-            </a:r>
-          </a:p>
-          <a:p>
-            <a:r>
-              <a:rPr lang="en-US" dirty="0"/>
-              <a:t>Already shown that contribution to period fertility of nonterminators is exactly equal to D. </a:t>
-            </a:r>
-          </a:p>
-          <a:p>
-            <a:r>
-              <a:rPr lang="en-US" dirty="0"/>
-              <a:t>Therefore, when fertility goals decline TFR=D and there is no overall acceleration effect. </a:t>
-            </a:r>
-          </a:p>
-          <a:p>
-            <a:r>
-              <a:rPr lang="en-US" dirty="0"/>
-              <a:t>However, terminators are accumulating kids they would not have chosen to have.</a:t>
-            </a:r>
-          </a:p>
-        </p:txBody>
-      </p:sp>
-      <p:sp>
-        <p:nvSpPr>
-          <p:cNvPr id="4" name="Footer Placeholder 3">
-            <a:extLst>
-              <a:ext uri="{FF2B5EF4-FFF2-40B4-BE49-F238E27FC236}">
-                <a16:creationId xmlns:a16="http://schemas.microsoft.com/office/drawing/2014/main" id="{3877EEA8-0203-20E4-97C5-DF2257AAA42F}"/>
-              </a:ext>
-            </a:extLst>
-          </p:cNvPr>
-          <p:cNvSpPr>
-            <a:spLocks noGrp="1"/>
-          </p:cNvSpPr>
-          <p:nvPr>
-            <p:ph type="ftr" sz="quarter" idx="11"/>
-          </p:nvPr>
-        </p:nvSpPr>
-        <p:spPr/>
-        <p:txBody>
-          <a:bodyPr/>
-          <a:lstStyle/>
-          <a:p>
-            <a:r>
-              <a:rPr lang="en-US"/>
-              <a:t>Ronald Lee, UC Berkeley, June 8 2023</a:t>
-            </a:r>
-          </a:p>
-        </p:txBody>
-      </p:sp>
-      <p:sp>
-        <p:nvSpPr>
-          <p:cNvPr id="5" name="Slide Number Placeholder 4">
-            <a:extLst>
-              <a:ext uri="{FF2B5EF4-FFF2-40B4-BE49-F238E27FC236}">
-                <a16:creationId xmlns:a16="http://schemas.microsoft.com/office/drawing/2014/main" id="{7F89015D-B557-EB02-5FA7-7190EFB2457A}"/>
-              </a:ext>
-            </a:extLst>
-          </p:cNvPr>
-          <p:cNvSpPr>
-            <a:spLocks noGrp="1"/>
-          </p:cNvSpPr>
-          <p:nvPr>
-            <p:ph type="sldNum" sz="quarter" idx="12"/>
-          </p:nvPr>
-        </p:nvSpPr>
-        <p:spPr/>
-        <p:txBody>
-          <a:bodyPr/>
-          <a:lstStyle/>
-          <a:p>
-            <a:fld id="{6B6E5051-45FE-481E-BC74-724D8AFE1529}" type="slidenum">
-              <a:rPr lang="en-US" smtClean="0"/>
-              <a:t>42</a:t>
-            </a:fld>
-            <a:endParaRPr lang="en-US"/>
-          </a:p>
-        </p:txBody>
-      </p:sp>
-    </p:spTree>
-    <p:extLst>
-      <p:ext uri="{BB962C8B-B14F-4D97-AF65-F5344CB8AC3E}">
-        <p14:creationId xmlns:p14="http://schemas.microsoft.com/office/powerpoint/2010/main" val="2356383109"/>
-      </p:ext>
-    </p:extLst>
-  </p:cSld>
-  <p:clrMapOvr>
-    <a:masterClrMapping/>
-  </p:clrMapOvr>
-</p:sld>
-</file>
-
 <file path=ppt/slides/slide43.xml><?xml version="1.0" encoding="utf-8"?>
 <p:sld xmlns:a="http://schemas.openxmlformats.org/drawingml/2006/main" xmlns:r="http://schemas.openxmlformats.org/officeDocument/2006/relationships" xmlns:p="http://schemas.openxmlformats.org/presentationml/2006/main">
   <p:cSld>
@@ -15861,7 +15891,7 @@
           <p:cNvPr id="2" name="Title 1">
             <a:extLst>
               <a:ext uri="{FF2B5EF4-FFF2-40B4-BE49-F238E27FC236}">
-                <a16:creationId xmlns:a16="http://schemas.microsoft.com/office/drawing/2014/main" id="{27B6F8C7-70D2-3C4F-23A9-72CD1617901E}"/>
+                <a16:creationId xmlns:a16="http://schemas.microsoft.com/office/drawing/2014/main" id="{1962ACC0-F802-56A3-B92A-9A5CF3F7670F}"/>
               </a:ext>
             </a:extLst>
           </p:cNvPr>
@@ -15872,7 +15902,12 @@
             <p:ph type="title"/>
           </p:nvPr>
         </p:nvSpPr>
-        <p:spPr/>
+        <p:spPr>
+          <a:xfrm>
+            <a:off x="838200" y="365126"/>
+            <a:ext cx="10515600" cy="995530"/>
+          </a:xfrm>
+        </p:spPr>
         <p:txBody>
           <a:bodyPr>
             <a:noAutofit/>
@@ -15880,8 +15915,8 @@
           <a:lstStyle/>
           <a:p>
             <a:r>
-              <a:rPr lang="en-US" sz="3600" dirty="0"/>
-              <a:t>The amplitude of fluctuations in the TFR exceeds the amplitude of fluctuations in desired family size. </a:t>
+              <a:rPr lang="en-US" sz="4000" dirty="0"/>
+              <a:t>The TFR equals desired family size when desired family size is declining.</a:t>
             </a:r>
           </a:p>
         </p:txBody>
@@ -15891,7 +15926,7 @@
           <p:cNvPr id="3" name="Content Placeholder 2">
             <a:extLst>
               <a:ext uri="{FF2B5EF4-FFF2-40B4-BE49-F238E27FC236}">
-                <a16:creationId xmlns:a16="http://schemas.microsoft.com/office/drawing/2014/main" id="{630D59A2-7470-57E1-7CDB-3990EB95021C}"/>
+                <a16:creationId xmlns:a16="http://schemas.microsoft.com/office/drawing/2014/main" id="{C6DB9A2C-60B9-F854-8AB8-E64C6403F537}"/>
               </a:ext>
             </a:extLst>
           </p:cNvPr>
@@ -15902,14 +15937,59 @@
             <p:ph idx="1"/>
           </p:nvPr>
         </p:nvSpPr>
-        <p:spPr/>
-        <p:txBody>
-          <a:bodyPr/>
+        <p:spPr>
+          <a:xfrm>
+            <a:off x="838200" y="1540042"/>
+            <a:ext cx="10515600" cy="4636921"/>
+          </a:xfrm>
+        </p:spPr>
+        <p:txBody>
+          <a:bodyPr>
+            <a:normAutofit lnSpcReduction="10000"/>
+          </a:bodyPr>
           <a:lstStyle/>
           <a:p>
             <a:r>
               <a:rPr lang="en-US" dirty="0"/>
-              <a:t>Since TFR exceeds D when D is rising and equals D when D is falling, fluctuations in TFR have greater amplitude. </a:t>
+              <a:t>If D is declining, no woman switches from terminator to non-terminator status</a:t>
+            </a:r>
+          </a:p>
+          <a:p>
+            <a:pPr lvl="1">
+              <a:buFont typeface="Wingdings" panose="05000000000000000000" pitchFamily="2" charset="2"/>
+              <a:buChar char="Ø"/>
+            </a:pPr>
+            <a:r>
+              <a:rPr lang="en-US" dirty="0"/>
+              <a:t>If she wanted no children in the past, she certainly will not want more when she has reduced her overall target. </a:t>
+            </a:r>
+          </a:p>
+          <a:p>
+            <a:pPr lvl="1">
+              <a:buFont typeface="Wingdings" panose="05000000000000000000" pitchFamily="2" charset="2"/>
+              <a:buChar char="Ø"/>
+            </a:pPr>
+            <a:r>
+              <a:rPr lang="en-US" dirty="0"/>
+              <a:t>Therefore the only women bearing children will always have been nonterminators</a:t>
+            </a:r>
+          </a:p>
+          <a:p>
+            <a:r>
+              <a:rPr lang="en-US" dirty="0"/>
+              <a:t>Already shown that contribution to period fertility of nonterminators is exactly equal to D. </a:t>
+            </a:r>
+          </a:p>
+          <a:p>
+            <a:r>
+              <a:rPr lang="en-US" dirty="0"/>
+              <a:t>Therefore, when fertility goals decline TFR=D and there is no overall acceleration effect. </a:t>
+            </a:r>
+          </a:p>
+          <a:p>
+            <a:r>
+              <a:rPr lang="en-US" dirty="0"/>
+              <a:t>However, terminators are accumulating kids they would not have chosen to have.</a:t>
             </a:r>
           </a:p>
         </p:txBody>
@@ -15919,7 +15999,7 @@
           <p:cNvPr id="4" name="Footer Placeholder 3">
             <a:extLst>
               <a:ext uri="{FF2B5EF4-FFF2-40B4-BE49-F238E27FC236}">
-                <a16:creationId xmlns:a16="http://schemas.microsoft.com/office/drawing/2014/main" id="{D714D08C-B76E-6B0E-0E7D-9EDBAAB2F9A6}"/>
+                <a16:creationId xmlns:a16="http://schemas.microsoft.com/office/drawing/2014/main" id="{3877EEA8-0203-20E4-97C5-DF2257AAA42F}"/>
               </a:ext>
             </a:extLst>
           </p:cNvPr>
@@ -15947,7 +16027,7 @@
           <p:cNvPr id="5" name="Slide Number Placeholder 4">
             <a:extLst>
               <a:ext uri="{FF2B5EF4-FFF2-40B4-BE49-F238E27FC236}">
-                <a16:creationId xmlns:a16="http://schemas.microsoft.com/office/drawing/2014/main" id="{5C844415-3F10-1031-D1C4-403DC5327FFC}"/>
+                <a16:creationId xmlns:a16="http://schemas.microsoft.com/office/drawing/2014/main" id="{7F89015D-B557-EB02-5FA7-7190EFB2457A}"/>
               </a:ext>
             </a:extLst>
           </p:cNvPr>
@@ -15974,7 +16054,7 @@
     </p:spTree>
     <p:extLst>
       <p:ext uri="{BB962C8B-B14F-4D97-AF65-F5344CB8AC3E}">
-        <p14:creationId xmlns:p14="http://schemas.microsoft.com/office/powerpoint/2010/main" val="1083751543"/>
+        <p14:creationId xmlns:p14="http://schemas.microsoft.com/office/powerpoint/2010/main" val="2356383109"/>
       </p:ext>
     </p:extLst>
   </p:cSld>
@@ -16006,6 +16086,151 @@
           <p:cNvPr id="2" name="Title 1">
             <a:extLst>
               <a:ext uri="{FF2B5EF4-FFF2-40B4-BE49-F238E27FC236}">
+                <a16:creationId xmlns:a16="http://schemas.microsoft.com/office/drawing/2014/main" id="{27B6F8C7-70D2-3C4F-23A9-72CD1617901E}"/>
+              </a:ext>
+            </a:extLst>
+          </p:cNvPr>
+          <p:cNvSpPr>
+            <a:spLocks noGrp="1"/>
+          </p:cNvSpPr>
+          <p:nvPr>
+            <p:ph type="title"/>
+          </p:nvPr>
+        </p:nvSpPr>
+        <p:spPr/>
+        <p:txBody>
+          <a:bodyPr>
+            <a:noAutofit/>
+          </a:bodyPr>
+          <a:lstStyle/>
+          <a:p>
+            <a:r>
+              <a:rPr lang="en-US" sz="3600" dirty="0"/>
+              <a:t>The amplitude of fluctuations in the TFR exceeds the amplitude of fluctuations in desired family size. </a:t>
+            </a:r>
+          </a:p>
+        </p:txBody>
+      </p:sp>
+      <p:sp>
+        <p:nvSpPr>
+          <p:cNvPr id="3" name="Content Placeholder 2">
+            <a:extLst>
+              <a:ext uri="{FF2B5EF4-FFF2-40B4-BE49-F238E27FC236}">
+                <a16:creationId xmlns:a16="http://schemas.microsoft.com/office/drawing/2014/main" id="{630D59A2-7470-57E1-7CDB-3990EB95021C}"/>
+              </a:ext>
+            </a:extLst>
+          </p:cNvPr>
+          <p:cNvSpPr>
+            <a:spLocks noGrp="1"/>
+          </p:cNvSpPr>
+          <p:nvPr>
+            <p:ph idx="1"/>
+          </p:nvPr>
+        </p:nvSpPr>
+        <p:spPr/>
+        <p:txBody>
+          <a:bodyPr/>
+          <a:lstStyle/>
+          <a:p>
+            <a:r>
+              <a:rPr lang="en-US" dirty="0"/>
+              <a:t>Since TFR exceeds D when D is rising and equals D when D is falling, fluctuations in TFR have greater amplitude. </a:t>
+            </a:r>
+          </a:p>
+        </p:txBody>
+      </p:sp>
+      <p:sp>
+        <p:nvSpPr>
+          <p:cNvPr id="4" name="Footer Placeholder 3">
+            <a:extLst>
+              <a:ext uri="{FF2B5EF4-FFF2-40B4-BE49-F238E27FC236}">
+                <a16:creationId xmlns:a16="http://schemas.microsoft.com/office/drawing/2014/main" id="{D714D08C-B76E-6B0E-0E7D-9EDBAAB2F9A6}"/>
+              </a:ext>
+            </a:extLst>
+          </p:cNvPr>
+          <p:cNvSpPr>
+            <a:spLocks noGrp="1"/>
+          </p:cNvSpPr>
+          <p:nvPr>
+            <p:ph type="ftr" sz="quarter" idx="11"/>
+          </p:nvPr>
+        </p:nvSpPr>
+        <p:spPr/>
+        <p:txBody>
+          <a:bodyPr/>
+          <a:lstStyle/>
+          <a:p>
+            <a:r>
+              <a:rPr lang="en-US"/>
+              <a:t>Ronald Lee, UC Berkeley, June 8 2023</a:t>
+            </a:r>
+          </a:p>
+        </p:txBody>
+      </p:sp>
+      <p:sp>
+        <p:nvSpPr>
+          <p:cNvPr id="5" name="Slide Number Placeholder 4">
+            <a:extLst>
+              <a:ext uri="{FF2B5EF4-FFF2-40B4-BE49-F238E27FC236}">
+                <a16:creationId xmlns:a16="http://schemas.microsoft.com/office/drawing/2014/main" id="{5C844415-3F10-1031-D1C4-403DC5327FFC}"/>
+              </a:ext>
+            </a:extLst>
+          </p:cNvPr>
+          <p:cNvSpPr>
+            <a:spLocks noGrp="1"/>
+          </p:cNvSpPr>
+          <p:nvPr>
+            <p:ph type="sldNum" sz="quarter" idx="12"/>
+          </p:nvPr>
+        </p:nvSpPr>
+        <p:spPr/>
+        <p:txBody>
+          <a:bodyPr/>
+          <a:lstStyle/>
+          <a:p>
+            <a:fld id="{6B6E5051-45FE-481E-BC74-724D8AFE1529}" type="slidenum">
+              <a:rPr lang="en-US" smtClean="0"/>
+              <a:t>44</a:t>
+            </a:fld>
+            <a:endParaRPr lang="en-US"/>
+          </a:p>
+        </p:txBody>
+      </p:sp>
+    </p:spTree>
+    <p:extLst>
+      <p:ext uri="{BB962C8B-B14F-4D97-AF65-F5344CB8AC3E}">
+        <p14:creationId xmlns:p14="http://schemas.microsoft.com/office/powerpoint/2010/main" val="1083751543"/>
+      </p:ext>
+    </p:extLst>
+  </p:cSld>
+  <p:clrMapOvr>
+    <a:masterClrMapping/>
+  </p:clrMapOvr>
+</p:sld>
+</file>
+
+<file path=ppt/slides/slide45.xml><?xml version="1.0" encoding="utf-8"?>
+<p:sld xmlns:a="http://schemas.openxmlformats.org/drawingml/2006/main" xmlns:r="http://schemas.openxmlformats.org/officeDocument/2006/relationships" xmlns:p="http://schemas.openxmlformats.org/presentationml/2006/main">
+  <p:cSld>
+    <p:spTree>
+      <p:nvGrpSpPr>
+        <p:cNvPr id="1" name=""/>
+        <p:cNvGrpSpPr/>
+        <p:nvPr/>
+      </p:nvGrpSpPr>
+      <p:grpSpPr>
+        <a:xfrm>
+          <a:off x="0" y="0"/>
+          <a:ext cx="0" cy="0"/>
+          <a:chOff x="0" y="0"/>
+          <a:chExt cx="0" cy="0"/>
+        </a:xfrm>
+      </p:grpSpPr>
+      <p:sp>
+        <p:nvSpPr>
+          <p:cNvPr id="2" name="Title 1">
+            <a:extLst>
+              <a:ext uri="{FF2B5EF4-FFF2-40B4-BE49-F238E27FC236}">
                 <a16:creationId xmlns:a16="http://schemas.microsoft.com/office/drawing/2014/main" id="{70A94319-71B6-BAFE-0DCA-FFB6FC129768}"/>
               </a:ext>
             </a:extLst>
@@ -16196,7 +16421,7 @@
           <a:p>
             <a:fld id="{6B6E5051-45FE-481E-BC74-724D8AFE1529}" type="slidenum">
               <a:rPr lang="en-US" smtClean="0"/>
-              <a:t>44</a:t>
+              <a:t>45</a:t>
             </a:fld>
             <a:endParaRPr lang="en-US"/>
           </a:p>
@@ -16347,7 +16572,7 @@
 </p:sld>
 </file>
 
-<file path=ppt/slides/slide45.xml><?xml version="1.0" encoding="utf-8"?>
+<file path=ppt/slides/slide46.xml><?xml version="1.0" encoding="utf-8"?>
 <p:sld xmlns:a="http://schemas.openxmlformats.org/drawingml/2006/main" xmlns:r="http://schemas.openxmlformats.org/officeDocument/2006/relationships" xmlns:p="http://schemas.openxmlformats.org/presentationml/2006/main">
   <p:cSld>
     <p:spTree>
@@ -16443,7 +16668,7 @@
           <a:p>
             <a:fld id="{6B6E5051-45FE-481E-BC74-724D8AFE1529}" type="slidenum">
               <a:rPr lang="en-US" smtClean="0"/>
-              <a:t>45</a:t>
+              <a:t>46</a:t>
             </a:fld>
             <a:endParaRPr lang="en-US"/>
           </a:p>
@@ -16831,7 +17056,7 @@
 </p:sld>
 </file>
 
-<file path=ppt/slides/slide46.xml><?xml version="1.0" encoding="utf-8"?>
+<file path=ppt/slides/slide47.xml><?xml version="1.0" encoding="utf-8"?>
 <p:sld xmlns:a="http://schemas.openxmlformats.org/drawingml/2006/main" xmlns:r="http://schemas.openxmlformats.org/officeDocument/2006/relationships" xmlns:p="http://schemas.openxmlformats.org/presentationml/2006/main">
   <p:cSld>
     <p:spTree>
@@ -17041,7 +17266,7 @@
           <a:p>
             <a:fld id="{6B6E5051-45FE-481E-BC74-724D8AFE1529}" type="slidenum">
               <a:rPr lang="en-US" smtClean="0"/>
-              <a:t>46</a:t>
+              <a:t>47</a:t>
             </a:fld>
             <a:endParaRPr lang="en-US"/>
           </a:p>
@@ -17060,7 +17285,7 @@
 </p:sld>
 </file>
 
-<file path=ppt/slides/slide47.xml><?xml version="1.0" encoding="utf-8"?>
+<file path=ppt/slides/slide48.xml><?xml version="1.0" encoding="utf-8"?>
 <p:sld xmlns:a="http://schemas.openxmlformats.org/drawingml/2006/main" xmlns:r="http://schemas.openxmlformats.org/officeDocument/2006/relationships" xmlns:p="http://schemas.openxmlformats.org/presentationml/2006/main">
   <p:cSld>
     <p:spTree>
@@ -17319,7 +17544,7 @@
           <a:p>
             <a:fld id="{6B6E5051-45FE-481E-BC74-724D8AFE1529}" type="slidenum">
               <a:rPr lang="en-US" smtClean="0"/>
-              <a:t>47</a:t>
+              <a:t>48</a:t>
             </a:fld>
             <a:endParaRPr lang="en-US"/>
           </a:p>
@@ -17329,167 +17554,6 @@
     <p:extLst>
       <p:ext uri="{BB962C8B-B14F-4D97-AF65-F5344CB8AC3E}">
         <p14:creationId xmlns:p14="http://schemas.microsoft.com/office/powerpoint/2010/main" val="2036535810"/>
-      </p:ext>
-    </p:extLst>
-  </p:cSld>
-  <p:clrMapOvr>
-    <a:masterClrMapping/>
-  </p:clrMapOvr>
-</p:sld>
-</file>
-
-<file path=ppt/slides/slide48.xml><?xml version="1.0" encoding="utf-8"?>
-<p:sld xmlns:a="http://schemas.openxmlformats.org/drawingml/2006/main" xmlns:r="http://schemas.openxmlformats.org/officeDocument/2006/relationships" xmlns:p="http://schemas.openxmlformats.org/presentationml/2006/main">
-  <p:cSld>
-    <p:spTree>
-      <p:nvGrpSpPr>
-        <p:cNvPr id="1" name=""/>
-        <p:cNvGrpSpPr/>
-        <p:nvPr/>
-      </p:nvGrpSpPr>
-      <p:grpSpPr>
-        <a:xfrm>
-          <a:off x="0" y="0"/>
-          <a:ext cx="0" cy="0"/>
-          <a:chOff x="0" y="0"/>
-          <a:chExt cx="0" cy="0"/>
-        </a:xfrm>
-      </p:grpSpPr>
-      <p:sp>
-        <p:nvSpPr>
-          <p:cNvPr id="2" name="Title 1">
-            <a:extLst>
-              <a:ext uri="{FF2B5EF4-FFF2-40B4-BE49-F238E27FC236}">
-                <a16:creationId xmlns:a16="http://schemas.microsoft.com/office/drawing/2014/main" id="{5814BA9F-B03E-7436-4251-77386847F5DF}"/>
-              </a:ext>
-            </a:extLst>
-          </p:cNvPr>
-          <p:cNvSpPr>
-            <a:spLocks noGrp="1"/>
-          </p:cNvSpPr>
-          <p:nvPr>
-            <p:ph type="title"/>
-          </p:nvPr>
-        </p:nvSpPr>
-        <p:spPr/>
-        <p:txBody>
-          <a:bodyPr/>
-          <a:lstStyle/>
-          <a:p>
-            <a:r>
-              <a:rPr lang="en-US" dirty="0"/>
-              <a:t>Other applications (see ref list at end)</a:t>
-            </a:r>
-          </a:p>
-        </p:txBody>
-      </p:sp>
-      <p:sp>
-        <p:nvSpPr>
-          <p:cNvPr id="3" name="Content Placeholder 2">
-            <a:extLst>
-              <a:ext uri="{FF2B5EF4-FFF2-40B4-BE49-F238E27FC236}">
-                <a16:creationId xmlns:a16="http://schemas.microsoft.com/office/drawing/2014/main" id="{7A54E8FF-04B2-2817-7A02-755D9137A62D}"/>
-              </a:ext>
-            </a:extLst>
-          </p:cNvPr>
-          <p:cNvSpPr>
-            <a:spLocks noGrp="1"/>
-          </p:cNvSpPr>
-          <p:nvPr>
-            <p:ph idx="1"/>
-          </p:nvPr>
-        </p:nvSpPr>
-        <p:spPr/>
-        <p:txBody>
-          <a:bodyPr/>
-          <a:lstStyle/>
-          <a:p>
-            <a:pPr marL="0" indent="0">
-              <a:buNone/>
-            </a:pPr>
-            <a:r>
-              <a:rPr lang="en-US" dirty="0"/>
-              <a:t>Forecasting fertility using fertility expectations data. (Probably not a good idea.) See Lee (1981) “Model for forecasting fertility…”</a:t>
-            </a:r>
-          </a:p>
-          <a:p>
-            <a:pPr marL="0" indent="0">
-              <a:buNone/>
-            </a:pPr>
-            <a:endParaRPr lang="en-US" dirty="0"/>
-          </a:p>
-          <a:p>
-            <a:pPr marL="0" indent="0">
-              <a:buNone/>
-            </a:pPr>
-            <a:r>
-              <a:rPr lang="en-US" dirty="0"/>
-              <a:t>Using these target models to structure econometric analysis of time series of marital fertility in US. See Lee (1981) “Stock Adjustment model…”. </a:t>
-            </a:r>
-          </a:p>
-        </p:txBody>
-      </p:sp>
-      <p:sp>
-        <p:nvSpPr>
-          <p:cNvPr id="4" name="Footer Placeholder 3">
-            <a:extLst>
-              <a:ext uri="{FF2B5EF4-FFF2-40B4-BE49-F238E27FC236}">
-                <a16:creationId xmlns:a16="http://schemas.microsoft.com/office/drawing/2014/main" id="{36462AFC-DC5B-B356-2154-99E3BC5086F0}"/>
-              </a:ext>
-            </a:extLst>
-          </p:cNvPr>
-          <p:cNvSpPr>
-            <a:spLocks noGrp="1"/>
-          </p:cNvSpPr>
-          <p:nvPr>
-            <p:ph type="ftr" sz="quarter" idx="11"/>
-          </p:nvPr>
-        </p:nvSpPr>
-        <p:spPr/>
-        <p:txBody>
-          <a:bodyPr/>
-          <a:lstStyle/>
-          <a:p>
-            <a:r>
-              <a:rPr lang="en-US"/>
-              <a:t>Ronald Lee, UC Berkeley, June 8 2023</a:t>
-            </a:r>
-          </a:p>
-        </p:txBody>
-      </p:sp>
-      <p:sp>
-        <p:nvSpPr>
-          <p:cNvPr id="5" name="Slide Number Placeholder 4">
-            <a:extLst>
-              <a:ext uri="{FF2B5EF4-FFF2-40B4-BE49-F238E27FC236}">
-                <a16:creationId xmlns:a16="http://schemas.microsoft.com/office/drawing/2014/main" id="{DADBD444-4C1B-357D-E137-90FB4BBD87AD}"/>
-              </a:ext>
-            </a:extLst>
-          </p:cNvPr>
-          <p:cNvSpPr>
-            <a:spLocks noGrp="1"/>
-          </p:cNvSpPr>
-          <p:nvPr>
-            <p:ph type="sldNum" sz="quarter" idx="12"/>
-          </p:nvPr>
-        </p:nvSpPr>
-        <p:spPr/>
-        <p:txBody>
-          <a:bodyPr/>
-          <a:lstStyle/>
-          <a:p>
-            <a:fld id="{6B6E5051-45FE-481E-BC74-724D8AFE1529}" type="slidenum">
-              <a:rPr lang="en-US" smtClean="0"/>
-              <a:t>48</a:t>
-            </a:fld>
-            <a:endParaRPr lang="en-US"/>
-          </a:p>
-        </p:txBody>
-      </p:sp>
-    </p:spTree>
-    <p:extLst>
-      <p:ext uri="{BB962C8B-B14F-4D97-AF65-F5344CB8AC3E}">
-        <p14:creationId xmlns:p14="http://schemas.microsoft.com/office/powerpoint/2010/main" val="110418120"/>
       </p:ext>
     </p:extLst>
   </p:cSld>
@@ -17521,7 +17585,7 @@
           <p:cNvPr id="2" name="Title 1">
             <a:extLst>
               <a:ext uri="{FF2B5EF4-FFF2-40B4-BE49-F238E27FC236}">
-                <a16:creationId xmlns:a16="http://schemas.microsoft.com/office/drawing/2014/main" id="{E367D81E-B355-FF52-3387-7AF1FB1CB943}"/>
+                <a16:creationId xmlns:a16="http://schemas.microsoft.com/office/drawing/2014/main" id="{5814BA9F-B03E-7436-4251-77386847F5DF}"/>
               </a:ext>
             </a:extLst>
           </p:cNvPr>
@@ -17537,7 +17601,10 @@
           <a:bodyPr/>
           <a:lstStyle/>
           <a:p>
-            <a:endParaRPr lang="en-US" dirty="0"/>
+            <a:r>
+              <a:rPr lang="en-US" dirty="0"/>
+              <a:t>Other applications (see ref list at end)</a:t>
+            </a:r>
           </a:p>
         </p:txBody>
       </p:sp>
@@ -17546,7 +17613,7 @@
           <p:cNvPr id="3" name="Content Placeholder 2">
             <a:extLst>
               <a:ext uri="{FF2B5EF4-FFF2-40B4-BE49-F238E27FC236}">
-                <a16:creationId xmlns:a16="http://schemas.microsoft.com/office/drawing/2014/main" id="{658D05B6-E8A9-2224-DD55-3B7E619886D3}"/>
+                <a16:creationId xmlns:a16="http://schemas.microsoft.com/office/drawing/2014/main" id="{7A54E8FF-04B2-2817-7A02-755D9137A62D}"/>
               </a:ext>
             </a:extLst>
           </p:cNvPr>
@@ -17559,204 +17626,31 @@
         </p:nvSpPr>
         <p:spPr/>
         <p:txBody>
-          <a:bodyPr>
-            <a:normAutofit fontScale="77500" lnSpcReduction="20000"/>
-          </a:bodyPr>
-          <a:lstStyle/>
-          <a:p>
-            <a:pPr marL="0" marR="0" indent="0">
-              <a:lnSpc>
-                <a:spcPct val="150000"/>
-              </a:lnSpc>
-              <a:spcBef>
-                <a:spcPts val="1200"/>
-              </a:spcBef>
-              <a:spcAft>
-                <a:spcPts val="0"/>
-              </a:spcAft>
+          <a:bodyPr/>
+          <a:lstStyle/>
+          <a:p>
+            <a:pPr marL="0" indent="0">
               <a:buNone/>
             </a:pPr>
             <a:r>
-              <a:rPr lang="en-US" sz="1800" dirty="0">
-                <a:effectLst/>
-                <a:latin typeface="Calibri" panose="020F0502020204030204" pitchFamily="34" charset="0"/>
-                <a:ea typeface="Calibri" panose="020F0502020204030204" pitchFamily="34" charset="0"/>
-                <a:cs typeface="Times New Roman" panose="02020603050405020304" pitchFamily="18" charset="0"/>
-              </a:rPr>
-              <a:t>Ronald Lee (1981) “A Stock Adjustment Model of U.S. Marital Fertility, 1947-1974,” in Julian Simon and Peter </a:t>
-            </a:r>
-            <a:r>
-              <a:rPr lang="en-US" sz="1800" dirty="0" err="1">
-                <a:effectLst/>
-                <a:latin typeface="Calibri" panose="020F0502020204030204" pitchFamily="34" charset="0"/>
-                <a:ea typeface="Calibri" panose="020F0502020204030204" pitchFamily="34" charset="0"/>
-                <a:cs typeface="Times New Roman" panose="02020603050405020304" pitchFamily="18" charset="0"/>
-              </a:rPr>
-              <a:t>Lindert</a:t>
-            </a:r>
-            <a:r>
-              <a:rPr lang="en-US" sz="1800" dirty="0">
-                <a:effectLst/>
-                <a:latin typeface="Calibri" panose="020F0502020204030204" pitchFamily="34" charset="0"/>
-                <a:ea typeface="Calibri" panose="020F0502020204030204" pitchFamily="34" charset="0"/>
-                <a:cs typeface="Times New Roman" panose="02020603050405020304" pitchFamily="18" charset="0"/>
-              </a:rPr>
-              <a:t>, eds., Research in Population Economics, v.3 (JAI, 1981).</a:t>
-            </a:r>
-          </a:p>
-          <a:p>
-            <a:pPr marL="0" marR="0" indent="0">
-              <a:lnSpc>
-                <a:spcPct val="150000"/>
-              </a:lnSpc>
-              <a:spcBef>
-                <a:spcPts val="1200"/>
-              </a:spcBef>
-              <a:spcAft>
-                <a:spcPts val="0"/>
-              </a:spcAft>
+              <a:rPr lang="en-US" dirty="0"/>
+              <a:t>Forecasting fertility using fertility expectations data. (Probably not a good idea.) See Lee (1981) “Model for forecasting fertility…”</a:t>
+            </a:r>
+          </a:p>
+          <a:p>
+            <a:pPr marL="0" indent="0">
               <a:buNone/>
             </a:pPr>
-            <a:r>
-              <a:rPr lang="en-US" sz="1800" dirty="0">
-                <a:effectLst/>
-                <a:latin typeface="Calibri" panose="020F0502020204030204" pitchFamily="34" charset="0"/>
-                <a:ea typeface="Calibri" panose="020F0502020204030204" pitchFamily="34" charset="0"/>
-                <a:cs typeface="Times New Roman" panose="02020603050405020304" pitchFamily="18" charset="0"/>
-              </a:rPr>
-              <a:t>Ronald Lee (1981) “Model for Forecasting Fertility From Birth Expectations Data,” in Gerry Hendershot and Paul </a:t>
-            </a:r>
-            <a:r>
-              <a:rPr lang="en-US" sz="1800" dirty="0" err="1">
-                <a:effectLst/>
-                <a:latin typeface="Calibri" panose="020F0502020204030204" pitchFamily="34" charset="0"/>
-                <a:ea typeface="Calibri" panose="020F0502020204030204" pitchFamily="34" charset="0"/>
-                <a:cs typeface="Times New Roman" panose="02020603050405020304" pitchFamily="18" charset="0"/>
-              </a:rPr>
-              <a:t>Placek</a:t>
-            </a:r>
-            <a:r>
-              <a:rPr lang="en-US" sz="1800" dirty="0">
-                <a:effectLst/>
-                <a:latin typeface="Calibri" panose="020F0502020204030204" pitchFamily="34" charset="0"/>
-                <a:ea typeface="Calibri" panose="020F0502020204030204" pitchFamily="34" charset="0"/>
-                <a:cs typeface="Times New Roman" panose="02020603050405020304" pitchFamily="18" charset="0"/>
-              </a:rPr>
-              <a:t>, eds., Predicting Fertility: Demographic Studies of Birth Expectations (Lexington Books, 1981).</a:t>
-            </a:r>
-          </a:p>
-          <a:p>
-            <a:pPr marL="0" marR="0" indent="0">
-              <a:lnSpc>
-                <a:spcPct val="150000"/>
-              </a:lnSpc>
-              <a:spcBef>
-                <a:spcPts val="1200"/>
-              </a:spcBef>
-              <a:spcAft>
-                <a:spcPts val="0"/>
-              </a:spcAft>
+            <a:endParaRPr lang="en-US" dirty="0"/>
+          </a:p>
+          <a:p>
+            <a:pPr marL="0" indent="0">
               <a:buNone/>
             </a:pPr>
             <a:r>
-              <a:rPr lang="en-US" sz="1800" dirty="0">
-                <a:effectLst/>
-                <a:latin typeface="Calibri" panose="020F0502020204030204" pitchFamily="34" charset="0"/>
-                <a:ea typeface="Calibri" panose="020F0502020204030204" pitchFamily="34" charset="0"/>
-                <a:cs typeface="Times New Roman" panose="02020603050405020304" pitchFamily="18" charset="0"/>
-              </a:rPr>
-              <a:t>Ronald Lee (1981) “Aggregate Fertility Flows and the Distribution of Family Size Desires,” paper presented at the Meetings of the PAA in Washington, D.C., March 1981.</a:t>
-            </a:r>
-          </a:p>
-          <a:p>
-            <a:pPr marL="0" marR="0" indent="0">
-              <a:lnSpc>
-                <a:spcPct val="150000"/>
-              </a:lnSpc>
-              <a:spcBef>
-                <a:spcPts val="1200"/>
-              </a:spcBef>
-              <a:spcAft>
-                <a:spcPts val="0"/>
-              </a:spcAft>
-              <a:buNone/>
-            </a:pPr>
-            <a:r>
-              <a:rPr lang="en-US" sz="1800" dirty="0">
-                <a:effectLst/>
-                <a:latin typeface="Calibri" panose="020F0502020204030204" pitchFamily="34" charset="0"/>
-                <a:ea typeface="Calibri" panose="020F0502020204030204" pitchFamily="34" charset="0"/>
-                <a:cs typeface="Times New Roman" panose="02020603050405020304" pitchFamily="18" charset="0"/>
-              </a:rPr>
-              <a:t>Ronald Lee (1980) “Aiming at a Moving Target: Period Fertility and Changing Reproductive Goals,” Population Studies, v.34, n.2 (July 1980), pp. 205-226.</a:t>
-            </a:r>
-          </a:p>
-          <a:p>
-            <a:pPr marL="0" marR="0" indent="0">
-              <a:lnSpc>
-                <a:spcPct val="150000"/>
-              </a:lnSpc>
-              <a:spcBef>
-                <a:spcPts val="1200"/>
-              </a:spcBef>
-              <a:spcAft>
-                <a:spcPts val="0"/>
-              </a:spcAft>
-              <a:buNone/>
-            </a:pPr>
-            <a:r>
-              <a:rPr lang="en-US" sz="1800" dirty="0">
-                <a:effectLst/>
-                <a:latin typeface="Calibri" panose="020F0502020204030204" pitchFamily="34" charset="0"/>
-                <a:ea typeface="Calibri" panose="020F0502020204030204" pitchFamily="34" charset="0"/>
-                <a:cs typeface="Times New Roman" panose="02020603050405020304" pitchFamily="18" charset="0"/>
-              </a:rPr>
-              <a:t>Ronald Lee (1977) “Target Fertility, Contraception and Aggregate Rates: Toward a Formal Synthesis,” Demography, l4, n.4 (November 1977), pp. 455-479.</a:t>
-            </a:r>
-          </a:p>
-          <a:p>
-            <a:pPr marL="0" marR="0" indent="0">
-              <a:lnSpc>
-                <a:spcPct val="150000"/>
-              </a:lnSpc>
-              <a:spcBef>
-                <a:spcPts val="1200"/>
-              </a:spcBef>
-              <a:spcAft>
-                <a:spcPts val="0"/>
-              </a:spcAft>
-              <a:buNone/>
-            </a:pPr>
-            <a:r>
-              <a:rPr lang="en-US" sz="1800" dirty="0">
-                <a:effectLst/>
-                <a:latin typeface="Calibri" panose="020F0502020204030204" pitchFamily="34" charset="0"/>
-                <a:ea typeface="Calibri" panose="020F0502020204030204" pitchFamily="34" charset="0"/>
-                <a:cs typeface="Times New Roman" panose="02020603050405020304" pitchFamily="18" charset="0"/>
-              </a:rPr>
-              <a:t>Hoem, Jan M. and Cornelia </a:t>
-            </a:r>
-            <a:r>
-              <a:rPr lang="en-US" sz="1800" dirty="0" err="1">
-                <a:effectLst/>
-                <a:latin typeface="Calibri" panose="020F0502020204030204" pitchFamily="34" charset="0"/>
-                <a:ea typeface="Calibri" panose="020F0502020204030204" pitchFamily="34" charset="0"/>
-                <a:cs typeface="Times New Roman" panose="02020603050405020304" pitchFamily="18" charset="0"/>
-              </a:rPr>
-              <a:t>Mureşan</a:t>
-            </a:r>
-            <a:r>
-              <a:rPr lang="en-US" sz="1800" dirty="0">
-                <a:effectLst/>
-                <a:latin typeface="Calibri" panose="020F0502020204030204" pitchFamily="34" charset="0"/>
-                <a:ea typeface="Calibri" panose="020F0502020204030204" pitchFamily="34" charset="0"/>
-                <a:cs typeface="Times New Roman" panose="02020603050405020304" pitchFamily="18" charset="0"/>
-              </a:rPr>
-              <a:t> (2011) “The Total Marital Fertility Rate and Its Extensions” European Journal of Population Vol. 27, No. 3 (August 2011), pp. 295-312. https://www.jstor.org/stable/41474433</a:t>
-            </a:r>
-          </a:p>
-          <a:p>
-            <a:endParaRPr lang="en-US" dirty="0"/>
+              <a:rPr lang="en-US" dirty="0"/>
+              <a:t>Using these target models to structure econometric analysis of time series of marital fertility in US. See Lee (1981) “Stock Adjustment model…”. </a:t>
+            </a:r>
           </a:p>
         </p:txBody>
       </p:sp>
@@ -17765,7 +17659,7 @@
           <p:cNvPr id="4" name="Footer Placeholder 3">
             <a:extLst>
               <a:ext uri="{FF2B5EF4-FFF2-40B4-BE49-F238E27FC236}">
-                <a16:creationId xmlns:a16="http://schemas.microsoft.com/office/drawing/2014/main" id="{5724C1AD-C0AC-C709-186F-5CB8014A125C}"/>
+                <a16:creationId xmlns:a16="http://schemas.microsoft.com/office/drawing/2014/main" id="{36462AFC-DC5B-B356-2154-99E3BC5086F0}"/>
               </a:ext>
             </a:extLst>
           </p:cNvPr>
@@ -17793,7 +17687,7 @@
           <p:cNvPr id="5" name="Slide Number Placeholder 4">
             <a:extLst>
               <a:ext uri="{FF2B5EF4-FFF2-40B4-BE49-F238E27FC236}">
-                <a16:creationId xmlns:a16="http://schemas.microsoft.com/office/drawing/2014/main" id="{70472124-8A50-F6EE-FFB7-C45683E2FBEB}"/>
+                <a16:creationId xmlns:a16="http://schemas.microsoft.com/office/drawing/2014/main" id="{DADBD444-4C1B-357D-E137-90FB4BBD87AD}"/>
               </a:ext>
             </a:extLst>
           </p:cNvPr>
@@ -17820,7 +17714,7 @@
     </p:spTree>
     <p:extLst>
       <p:ext uri="{BB962C8B-B14F-4D97-AF65-F5344CB8AC3E}">
-        <p14:creationId xmlns:p14="http://schemas.microsoft.com/office/powerpoint/2010/main" val="652418383"/>
+        <p14:creationId xmlns:p14="http://schemas.microsoft.com/office/powerpoint/2010/main" val="110418120"/>
       </p:ext>
     </p:extLst>
   </p:cSld>
@@ -18018,6 +17912,337 @@
     <p:extLst>
       <p:ext uri="{BB962C8B-B14F-4D97-AF65-F5344CB8AC3E}">
         <p14:creationId xmlns:p14="http://schemas.microsoft.com/office/powerpoint/2010/main" val="1204652997"/>
+      </p:ext>
+    </p:extLst>
+  </p:cSld>
+  <p:clrMapOvr>
+    <a:masterClrMapping/>
+  </p:clrMapOvr>
+</p:sld>
+</file>
+
+<file path=ppt/slides/slide50.xml><?xml version="1.0" encoding="utf-8"?>
+<p:sld xmlns:a="http://schemas.openxmlformats.org/drawingml/2006/main" xmlns:r="http://schemas.openxmlformats.org/officeDocument/2006/relationships" xmlns:p="http://schemas.openxmlformats.org/presentationml/2006/main">
+  <p:cSld>
+    <p:spTree>
+      <p:nvGrpSpPr>
+        <p:cNvPr id="1" name=""/>
+        <p:cNvGrpSpPr/>
+        <p:nvPr/>
+      </p:nvGrpSpPr>
+      <p:grpSpPr>
+        <a:xfrm>
+          <a:off x="0" y="0"/>
+          <a:ext cx="0" cy="0"/>
+          <a:chOff x="0" y="0"/>
+          <a:chExt cx="0" cy="0"/>
+        </a:xfrm>
+      </p:grpSpPr>
+      <p:sp>
+        <p:nvSpPr>
+          <p:cNvPr id="2" name="Title 1">
+            <a:extLst>
+              <a:ext uri="{FF2B5EF4-FFF2-40B4-BE49-F238E27FC236}">
+                <a16:creationId xmlns:a16="http://schemas.microsoft.com/office/drawing/2014/main" id="{E367D81E-B355-FF52-3387-7AF1FB1CB943}"/>
+              </a:ext>
+            </a:extLst>
+          </p:cNvPr>
+          <p:cNvSpPr>
+            <a:spLocks noGrp="1"/>
+          </p:cNvSpPr>
+          <p:nvPr>
+            <p:ph type="title"/>
+          </p:nvPr>
+        </p:nvSpPr>
+        <p:spPr/>
+        <p:txBody>
+          <a:bodyPr/>
+          <a:lstStyle/>
+          <a:p>
+            <a:endParaRPr lang="en-US" dirty="0"/>
+          </a:p>
+        </p:txBody>
+      </p:sp>
+      <p:sp>
+        <p:nvSpPr>
+          <p:cNvPr id="3" name="Content Placeholder 2">
+            <a:extLst>
+              <a:ext uri="{FF2B5EF4-FFF2-40B4-BE49-F238E27FC236}">
+                <a16:creationId xmlns:a16="http://schemas.microsoft.com/office/drawing/2014/main" id="{658D05B6-E8A9-2224-DD55-3B7E619886D3}"/>
+              </a:ext>
+            </a:extLst>
+          </p:cNvPr>
+          <p:cNvSpPr>
+            <a:spLocks noGrp="1"/>
+          </p:cNvSpPr>
+          <p:nvPr>
+            <p:ph idx="1"/>
+          </p:nvPr>
+        </p:nvSpPr>
+        <p:spPr/>
+        <p:txBody>
+          <a:bodyPr>
+            <a:normAutofit fontScale="77500" lnSpcReduction="20000"/>
+          </a:bodyPr>
+          <a:lstStyle/>
+          <a:p>
+            <a:pPr marL="0" marR="0" indent="0">
+              <a:lnSpc>
+                <a:spcPct val="150000"/>
+              </a:lnSpc>
+              <a:spcBef>
+                <a:spcPts val="1200"/>
+              </a:spcBef>
+              <a:spcAft>
+                <a:spcPts val="0"/>
+              </a:spcAft>
+              <a:buNone/>
+            </a:pPr>
+            <a:r>
+              <a:rPr lang="en-US" sz="1800" dirty="0">
+                <a:effectLst/>
+                <a:latin typeface="Calibri" panose="020F0502020204030204" pitchFamily="34" charset="0"/>
+                <a:ea typeface="Calibri" panose="020F0502020204030204" pitchFamily="34" charset="0"/>
+                <a:cs typeface="Times New Roman" panose="02020603050405020304" pitchFamily="18" charset="0"/>
+              </a:rPr>
+              <a:t>Ronald Lee (1981) “A Stock Adjustment Model of U.S. Marital Fertility, 1947-1974,” in Julian Simon and Peter </a:t>
+            </a:r>
+            <a:r>
+              <a:rPr lang="en-US" sz="1800" dirty="0" err="1">
+                <a:effectLst/>
+                <a:latin typeface="Calibri" panose="020F0502020204030204" pitchFamily="34" charset="0"/>
+                <a:ea typeface="Calibri" panose="020F0502020204030204" pitchFamily="34" charset="0"/>
+                <a:cs typeface="Times New Roman" panose="02020603050405020304" pitchFamily="18" charset="0"/>
+              </a:rPr>
+              <a:t>Lindert</a:t>
+            </a:r>
+            <a:r>
+              <a:rPr lang="en-US" sz="1800" dirty="0">
+                <a:effectLst/>
+                <a:latin typeface="Calibri" panose="020F0502020204030204" pitchFamily="34" charset="0"/>
+                <a:ea typeface="Calibri" panose="020F0502020204030204" pitchFamily="34" charset="0"/>
+                <a:cs typeface="Times New Roman" panose="02020603050405020304" pitchFamily="18" charset="0"/>
+              </a:rPr>
+              <a:t>, eds., Research in Population Economics, v.3 (JAI, 1981).</a:t>
+            </a:r>
+          </a:p>
+          <a:p>
+            <a:pPr marL="0" marR="0" indent="0">
+              <a:lnSpc>
+                <a:spcPct val="150000"/>
+              </a:lnSpc>
+              <a:spcBef>
+                <a:spcPts val="1200"/>
+              </a:spcBef>
+              <a:spcAft>
+                <a:spcPts val="0"/>
+              </a:spcAft>
+              <a:buNone/>
+            </a:pPr>
+            <a:r>
+              <a:rPr lang="en-US" sz="1800" dirty="0">
+                <a:effectLst/>
+                <a:latin typeface="Calibri" panose="020F0502020204030204" pitchFamily="34" charset="0"/>
+                <a:ea typeface="Calibri" panose="020F0502020204030204" pitchFamily="34" charset="0"/>
+                <a:cs typeface="Times New Roman" panose="02020603050405020304" pitchFamily="18" charset="0"/>
+              </a:rPr>
+              <a:t>Ronald Lee (1981) “Model for Forecasting Fertility From Birth Expectations Data,” in Gerry Hendershot and Paul </a:t>
+            </a:r>
+            <a:r>
+              <a:rPr lang="en-US" sz="1800" dirty="0" err="1">
+                <a:effectLst/>
+                <a:latin typeface="Calibri" panose="020F0502020204030204" pitchFamily="34" charset="0"/>
+                <a:ea typeface="Calibri" panose="020F0502020204030204" pitchFamily="34" charset="0"/>
+                <a:cs typeface="Times New Roman" panose="02020603050405020304" pitchFamily="18" charset="0"/>
+              </a:rPr>
+              <a:t>Placek</a:t>
+            </a:r>
+            <a:r>
+              <a:rPr lang="en-US" sz="1800" dirty="0">
+                <a:effectLst/>
+                <a:latin typeface="Calibri" panose="020F0502020204030204" pitchFamily="34" charset="0"/>
+                <a:ea typeface="Calibri" panose="020F0502020204030204" pitchFamily="34" charset="0"/>
+                <a:cs typeface="Times New Roman" panose="02020603050405020304" pitchFamily="18" charset="0"/>
+              </a:rPr>
+              <a:t>, eds., Predicting Fertility: Demographic Studies of Birth Expectations (Lexington Books, 1981).</a:t>
+            </a:r>
+          </a:p>
+          <a:p>
+            <a:pPr marL="0" marR="0" indent="0">
+              <a:lnSpc>
+                <a:spcPct val="150000"/>
+              </a:lnSpc>
+              <a:spcBef>
+                <a:spcPts val="1200"/>
+              </a:spcBef>
+              <a:spcAft>
+                <a:spcPts val="0"/>
+              </a:spcAft>
+              <a:buNone/>
+            </a:pPr>
+            <a:r>
+              <a:rPr lang="en-US" sz="1800" dirty="0">
+                <a:effectLst/>
+                <a:latin typeface="Calibri" panose="020F0502020204030204" pitchFamily="34" charset="0"/>
+                <a:ea typeface="Calibri" panose="020F0502020204030204" pitchFamily="34" charset="0"/>
+                <a:cs typeface="Times New Roman" panose="02020603050405020304" pitchFamily="18" charset="0"/>
+              </a:rPr>
+              <a:t>Ronald Lee (1981) “Aggregate Fertility Flows and the Distribution of Family Size Desires,” paper presented at the Meetings of the PAA in Washington, D.C., March 1981.</a:t>
+            </a:r>
+          </a:p>
+          <a:p>
+            <a:pPr marL="0" marR="0" indent="0">
+              <a:lnSpc>
+                <a:spcPct val="150000"/>
+              </a:lnSpc>
+              <a:spcBef>
+                <a:spcPts val="1200"/>
+              </a:spcBef>
+              <a:spcAft>
+                <a:spcPts val="0"/>
+              </a:spcAft>
+              <a:buNone/>
+            </a:pPr>
+            <a:r>
+              <a:rPr lang="en-US" sz="1800" dirty="0">
+                <a:effectLst/>
+                <a:latin typeface="Calibri" panose="020F0502020204030204" pitchFamily="34" charset="0"/>
+                <a:ea typeface="Calibri" panose="020F0502020204030204" pitchFamily="34" charset="0"/>
+                <a:cs typeface="Times New Roman" panose="02020603050405020304" pitchFamily="18" charset="0"/>
+              </a:rPr>
+              <a:t>Ronald Lee (1980) “Aiming at a Moving Target: Period Fertility and Changing Reproductive Goals,” Population Studies, v.34, n.2 (July 1980), pp. 205-226.</a:t>
+            </a:r>
+          </a:p>
+          <a:p>
+            <a:pPr marL="0" marR="0" indent="0">
+              <a:lnSpc>
+                <a:spcPct val="150000"/>
+              </a:lnSpc>
+              <a:spcBef>
+                <a:spcPts val="1200"/>
+              </a:spcBef>
+              <a:spcAft>
+                <a:spcPts val="0"/>
+              </a:spcAft>
+              <a:buNone/>
+            </a:pPr>
+            <a:r>
+              <a:rPr lang="en-US" sz="1800" dirty="0">
+                <a:effectLst/>
+                <a:latin typeface="Calibri" panose="020F0502020204030204" pitchFamily="34" charset="0"/>
+                <a:ea typeface="Calibri" panose="020F0502020204030204" pitchFamily="34" charset="0"/>
+                <a:cs typeface="Times New Roman" panose="02020603050405020304" pitchFamily="18" charset="0"/>
+              </a:rPr>
+              <a:t>Ronald Lee (1977) “Target Fertility, Contraception and Aggregate Rates: Toward a Formal Synthesis,” Demography, l4, n.4 (November 1977), pp. 455-479.</a:t>
+            </a:r>
+          </a:p>
+          <a:p>
+            <a:pPr marL="0" marR="0" indent="0">
+              <a:lnSpc>
+                <a:spcPct val="150000"/>
+              </a:lnSpc>
+              <a:spcBef>
+                <a:spcPts val="1200"/>
+              </a:spcBef>
+              <a:spcAft>
+                <a:spcPts val="0"/>
+              </a:spcAft>
+              <a:buNone/>
+            </a:pPr>
+            <a:r>
+              <a:rPr lang="en-US" sz="1800" dirty="0">
+                <a:effectLst/>
+                <a:latin typeface="Calibri" panose="020F0502020204030204" pitchFamily="34" charset="0"/>
+                <a:ea typeface="Calibri" panose="020F0502020204030204" pitchFamily="34" charset="0"/>
+                <a:cs typeface="Times New Roman" panose="02020603050405020304" pitchFamily="18" charset="0"/>
+              </a:rPr>
+              <a:t>Hoem, Jan M. and Cornelia </a:t>
+            </a:r>
+            <a:r>
+              <a:rPr lang="en-US" sz="1800" dirty="0" err="1">
+                <a:effectLst/>
+                <a:latin typeface="Calibri" panose="020F0502020204030204" pitchFamily="34" charset="0"/>
+                <a:ea typeface="Calibri" panose="020F0502020204030204" pitchFamily="34" charset="0"/>
+                <a:cs typeface="Times New Roman" panose="02020603050405020304" pitchFamily="18" charset="0"/>
+              </a:rPr>
+              <a:t>Mureşan</a:t>
+            </a:r>
+            <a:r>
+              <a:rPr lang="en-US" sz="1800" dirty="0">
+                <a:effectLst/>
+                <a:latin typeface="Calibri" panose="020F0502020204030204" pitchFamily="34" charset="0"/>
+                <a:ea typeface="Calibri" panose="020F0502020204030204" pitchFamily="34" charset="0"/>
+                <a:cs typeface="Times New Roman" panose="02020603050405020304" pitchFamily="18" charset="0"/>
+              </a:rPr>
+              <a:t> (2011) “The Total Marital Fertility Rate and Its Extensions” European Journal of Population Vol. 27, No. 3 (August 2011), pp. 295-312. https://www.jstor.org/stable/41474433</a:t>
+            </a:r>
+          </a:p>
+          <a:p>
+            <a:endParaRPr lang="en-US" dirty="0"/>
+          </a:p>
+        </p:txBody>
+      </p:sp>
+      <p:sp>
+        <p:nvSpPr>
+          <p:cNvPr id="4" name="Footer Placeholder 3">
+            <a:extLst>
+              <a:ext uri="{FF2B5EF4-FFF2-40B4-BE49-F238E27FC236}">
+                <a16:creationId xmlns:a16="http://schemas.microsoft.com/office/drawing/2014/main" id="{5724C1AD-C0AC-C709-186F-5CB8014A125C}"/>
+              </a:ext>
+            </a:extLst>
+          </p:cNvPr>
+          <p:cNvSpPr>
+            <a:spLocks noGrp="1"/>
+          </p:cNvSpPr>
+          <p:nvPr>
+            <p:ph type="ftr" sz="quarter" idx="11"/>
+          </p:nvPr>
+        </p:nvSpPr>
+        <p:spPr/>
+        <p:txBody>
+          <a:bodyPr/>
+          <a:lstStyle/>
+          <a:p>
+            <a:r>
+              <a:rPr lang="en-US"/>
+              <a:t>Ronald Lee, UC Berkeley, June 8 2023</a:t>
+            </a:r>
+          </a:p>
+        </p:txBody>
+      </p:sp>
+      <p:sp>
+        <p:nvSpPr>
+          <p:cNvPr id="5" name="Slide Number Placeholder 4">
+            <a:extLst>
+              <a:ext uri="{FF2B5EF4-FFF2-40B4-BE49-F238E27FC236}">
+                <a16:creationId xmlns:a16="http://schemas.microsoft.com/office/drawing/2014/main" id="{70472124-8A50-F6EE-FFB7-C45683E2FBEB}"/>
+              </a:ext>
+            </a:extLst>
+          </p:cNvPr>
+          <p:cNvSpPr>
+            <a:spLocks noGrp="1"/>
+          </p:cNvSpPr>
+          <p:nvPr>
+            <p:ph type="sldNum" sz="quarter" idx="12"/>
+          </p:nvPr>
+        </p:nvSpPr>
+        <p:spPr/>
+        <p:txBody>
+          <a:bodyPr/>
+          <a:lstStyle/>
+          <a:p>
+            <a:fld id="{6B6E5051-45FE-481E-BC74-724D8AFE1529}" type="slidenum">
+              <a:rPr lang="en-US" smtClean="0"/>
+              <a:t>50</a:t>
+            </a:fld>
+            <a:endParaRPr lang="en-US"/>
+          </a:p>
+        </p:txBody>
+      </p:sp>
+    </p:spTree>
+    <p:extLst>
+      <p:ext uri="{BB962C8B-B14F-4D97-AF65-F5344CB8AC3E}">
+        <p14:creationId xmlns:p14="http://schemas.microsoft.com/office/powerpoint/2010/main" val="652418383"/>
       </p:ext>
     </p:extLst>
   </p:cSld>
